--- a/slide/Economic_by_layoffs.pptx
+++ b/slide/Economic_by_layoffs.pptx
@@ -13,38 +13,37 @@
     <p:sldId id="260" r:id="rId7"/>
     <p:sldId id="262" r:id="rId8"/>
     <p:sldId id="276" r:id="rId9"/>
-    <p:sldId id="268" r:id="rId10"/>
-    <p:sldId id="263" r:id="rId11"/>
-    <p:sldId id="270" r:id="rId12"/>
-    <p:sldId id="257" r:id="rId13"/>
-    <p:sldId id="271" r:id="rId14"/>
-    <p:sldId id="273" r:id="rId15"/>
-    <p:sldId id="272" r:id="rId16"/>
-    <p:sldId id="278" r:id="rId17"/>
-    <p:sldId id="277" r:id="rId18"/>
+    <p:sldId id="273" r:id="rId10"/>
+    <p:sldId id="268" r:id="rId11"/>
+    <p:sldId id="257" r:id="rId12"/>
+    <p:sldId id="271" r:id="rId13"/>
+    <p:sldId id="270" r:id="rId14"/>
+    <p:sldId id="279" r:id="rId15"/>
+    <p:sldId id="278" r:id="rId16"/>
+    <p:sldId id="277" r:id="rId17"/>
   </p:sldIdLst>
   <p:sldSz cx="18288000" cy="10287000"/>
   <p:notesSz cx="6858000" cy="9144000"/>
   <p:embeddedFontLst>
     <p:embeddedFont>
       <p:font typeface="Agrandir" pitchFamily="2" charset="77"/>
-      <p:regular r:id="rId19"/>
+      <p:regular r:id="rId18"/>
     </p:embeddedFont>
     <p:embeddedFont>
       <p:font typeface="Agrandir Bold" pitchFamily="2" charset="77"/>
-      <p:regular r:id="rId20"/>
-      <p:bold r:id="rId21"/>
+      <p:regular r:id="rId19"/>
+      <p:bold r:id="rId20"/>
     </p:embeddedFont>
     <p:embeddedFont>
       <p:font typeface="Aptos Narrow" panose="020B0004020202020204" pitchFamily="34" charset="0"/>
-      <p:regular r:id="rId22"/>
-      <p:bold r:id="rId23"/>
-      <p:italic r:id="rId24"/>
-      <p:boldItalic r:id="rId25"/>
+      <p:regular r:id="rId21"/>
+      <p:bold r:id="rId22"/>
+      <p:italic r:id="rId23"/>
+      <p:boldItalic r:id="rId24"/>
     </p:embeddedFont>
     <p:embeddedFont>
       <p:font typeface="Baloo Bhaijaan" panose="03080902040302020200" pitchFamily="66" charset="-78"/>
-      <p:regular r:id="rId26"/>
+      <p:regular r:id="rId25"/>
     </p:embeddedFont>
   </p:embeddedFontLst>
   <p:defaultTextStyle>
@@ -341,7 +340,7 @@
             <a:fld id="{1D8BD707-D9CF-40AE-B4C6-C98DA3205C09}" type="datetimeFigureOut">
               <a:rPr lang="en-US" smtClean="0"/>
               <a:pPr/>
-              <a:t>12/6/25</a:t>
+              <a:t>12/7/25</a:t>
             </a:fld>
             <a:endParaRPr lang="en-US"/>
           </a:p>
@@ -506,7 +505,7 @@
             <a:fld id="{1D8BD707-D9CF-40AE-B4C6-C98DA3205C09}" type="datetimeFigureOut">
               <a:rPr lang="en-US" smtClean="0"/>
               <a:pPr/>
-              <a:t>12/6/25</a:t>
+              <a:t>12/7/25</a:t>
             </a:fld>
             <a:endParaRPr lang="en-US"/>
           </a:p>
@@ -681,7 +680,7 @@
             <a:fld id="{1D8BD707-D9CF-40AE-B4C6-C98DA3205C09}" type="datetimeFigureOut">
               <a:rPr lang="en-US" smtClean="0"/>
               <a:pPr/>
-              <a:t>12/6/25</a:t>
+              <a:t>12/7/25</a:t>
             </a:fld>
             <a:endParaRPr lang="en-US"/>
           </a:p>
@@ -846,7 +845,7 @@
             <a:fld id="{1D8BD707-D9CF-40AE-B4C6-C98DA3205C09}" type="datetimeFigureOut">
               <a:rPr lang="en-US" smtClean="0"/>
               <a:pPr/>
-              <a:t>12/6/25</a:t>
+              <a:t>12/7/25</a:t>
             </a:fld>
             <a:endParaRPr lang="en-US"/>
           </a:p>
@@ -1088,7 +1087,7 @@
             <a:fld id="{1D8BD707-D9CF-40AE-B4C6-C98DA3205C09}" type="datetimeFigureOut">
               <a:rPr lang="en-US" smtClean="0"/>
               <a:pPr/>
-              <a:t>12/6/25</a:t>
+              <a:t>12/7/25</a:t>
             </a:fld>
             <a:endParaRPr lang="en-US"/>
           </a:p>
@@ -1370,7 +1369,7 @@
             <a:fld id="{1D8BD707-D9CF-40AE-B4C6-C98DA3205C09}" type="datetimeFigureOut">
               <a:rPr lang="en-US" smtClean="0"/>
               <a:pPr/>
-              <a:t>12/6/25</a:t>
+              <a:t>12/7/25</a:t>
             </a:fld>
             <a:endParaRPr lang="en-US"/>
           </a:p>
@@ -1786,7 +1785,7 @@
             <a:fld id="{1D8BD707-D9CF-40AE-B4C6-C98DA3205C09}" type="datetimeFigureOut">
               <a:rPr lang="en-US" smtClean="0"/>
               <a:pPr/>
-              <a:t>12/6/25</a:t>
+              <a:t>12/7/25</a:t>
             </a:fld>
             <a:endParaRPr lang="en-US"/>
           </a:p>
@@ -1900,7 +1899,7 @@
             <a:fld id="{1D8BD707-D9CF-40AE-B4C6-C98DA3205C09}" type="datetimeFigureOut">
               <a:rPr lang="en-US" smtClean="0"/>
               <a:pPr/>
-              <a:t>12/6/25</a:t>
+              <a:t>12/7/25</a:t>
             </a:fld>
             <a:endParaRPr lang="en-US"/>
           </a:p>
@@ -1992,7 +1991,7 @@
             <a:fld id="{1D8BD707-D9CF-40AE-B4C6-C98DA3205C09}" type="datetimeFigureOut">
               <a:rPr lang="en-US" smtClean="0"/>
               <a:pPr/>
-              <a:t>12/6/25</a:t>
+              <a:t>12/7/25</a:t>
             </a:fld>
             <a:endParaRPr lang="en-US"/>
           </a:p>
@@ -2264,7 +2263,7 @@
             <a:fld id="{1D8BD707-D9CF-40AE-B4C6-C98DA3205C09}" type="datetimeFigureOut">
               <a:rPr lang="en-US" smtClean="0"/>
               <a:pPr/>
-              <a:t>12/6/25</a:t>
+              <a:t>12/7/25</a:t>
             </a:fld>
             <a:endParaRPr lang="en-US"/>
           </a:p>
@@ -2513,7 +2512,7 @@
             <a:fld id="{1D8BD707-D9CF-40AE-B4C6-C98DA3205C09}" type="datetimeFigureOut">
               <a:rPr lang="en-US" smtClean="0"/>
               <a:pPr/>
-              <a:t>12/6/25</a:t>
+              <a:t>12/7/25</a:t>
             </a:fld>
             <a:endParaRPr lang="en-US"/>
           </a:p>
@@ -2724,7 +2723,7 @@
             <a:fld id="{1D8BD707-D9CF-40AE-B4C6-C98DA3205C09}" type="datetimeFigureOut">
               <a:rPr lang="en-US" smtClean="0"/>
               <a:pPr/>
-              <a:t>12/6/25</a:t>
+              <a:t>12/7/25</a:t>
             </a:fld>
             <a:endParaRPr lang="en-US"/>
           </a:p>
@@ -3651,14 +3650,20 @@
       </p:grpSpPr>
       <p:sp>
         <p:nvSpPr>
-          <p:cNvPr id="8" name="TextBox 8"/>
+          <p:cNvPr id="18" name="TextBox 8">
+            <a:extLst>
+              <a:ext uri="{FF2B5EF4-FFF2-40B4-BE49-F238E27FC236}">
+                <a16:creationId xmlns:a16="http://schemas.microsoft.com/office/drawing/2014/main" id="{F78D8BFF-218E-1D77-5AF7-F5CB21356745}"/>
+              </a:ext>
+            </a:extLst>
+          </p:cNvPr>
           <p:cNvSpPr txBox="1"/>
           <p:nvPr/>
         </p:nvSpPr>
         <p:spPr>
           <a:xfrm>
             <a:off x="561109" y="357322"/>
-            <a:ext cx="17726891" cy="1211485"/>
+            <a:ext cx="16725901" cy="1211485"/>
           </a:xfrm>
           <a:prstGeom prst="rect">
             <a:avLst/>
@@ -3681,9 +3686,8 @@
                   <a:srgbClr val="171717"/>
                 </a:solidFill>
                 <a:latin typeface="Agrandir Bold"/>
-                <a:sym typeface="Agrandir Bold"/>
-              </a:rPr>
-              <a:t>Confusion Matrix: </a:t>
+              </a:rPr>
+              <a:t>Accuracy: </a:t>
             </a:r>
             <a:r>
               <a:rPr lang="en-US" sz="7200" b="1" i="0" u="none" strike="noStrike" dirty="0">
@@ -3719,14 +3723,20 @@
       </p:sp>
       <p:sp>
         <p:nvSpPr>
-          <p:cNvPr id="9" name="TextBox 9"/>
+          <p:cNvPr id="19" name="TextBox 9">
+            <a:extLst>
+              <a:ext uri="{FF2B5EF4-FFF2-40B4-BE49-F238E27FC236}">
+                <a16:creationId xmlns:a16="http://schemas.microsoft.com/office/drawing/2014/main" id="{81FA53BB-F0A0-F7F8-D9A1-4D9346F539DC}"/>
+              </a:ext>
+            </a:extLst>
+          </p:cNvPr>
           <p:cNvSpPr txBox="1"/>
           <p:nvPr/>
         </p:nvSpPr>
         <p:spPr>
           <a:xfrm>
-            <a:off x="595745" y="1568807"/>
-            <a:ext cx="17422091" cy="615553"/>
+            <a:off x="914400" y="1703258"/>
+            <a:ext cx="17030701" cy="1846659"/>
           </a:xfrm>
           <a:prstGeom prst="rect">
             <a:avLst/>
@@ -3744,10 +3754,6 @@
               </a:spcBef>
             </a:pPr>
             <a:r>
-              <a:rPr lang="en-US" sz="4000" dirty="0"/>
-              <a:t>MODEL of for SP5_Up (</a:t>
-            </a:r>
-            <a:r>
               <a:rPr lang="en-US" sz="4000" b="0" i="0" u="none" strike="noStrike" dirty="0">
                 <a:solidFill>
                   <a:srgbClr val="000000"/>
@@ -3775,6 +3781,90 @@
                 <a:latin typeface="-webkit-standard"/>
               </a:rPr>
               <a:t> compared to the previous day.)</a:t>
+            </a:r>
+          </a:p>
+          <a:p>
+            <a:pPr>
+              <a:spcBef>
+                <a:spcPct val="0"/>
+              </a:spcBef>
+            </a:pPr>
+            <a:r>
+              <a:rPr lang="en-US" sz="4000" dirty="0">
+                <a:solidFill>
+                  <a:srgbClr val="000000"/>
+                </a:solidFill>
+                <a:latin typeface="-webkit-standard"/>
+                <a:ea typeface="Agrandir"/>
+                <a:cs typeface="Agrandir"/>
+                <a:sym typeface="Agrandir"/>
+              </a:rPr>
+              <a:t>Using </a:t>
+            </a:r>
+            <a:r>
+              <a:rPr lang="en-US" sz="4000" b="1" dirty="0" err="1">
+                <a:solidFill>
+                  <a:srgbClr val="000000"/>
+                </a:solidFill>
+                <a:latin typeface="-webkit-standard"/>
+                <a:ea typeface="Agrandir"/>
+                <a:cs typeface="Agrandir"/>
+                <a:sym typeface="Agrandir"/>
+              </a:rPr>
+              <a:t>Layoff_Index</a:t>
+            </a:r>
+            <a:r>
+              <a:rPr lang="en-US" sz="4000" b="1" dirty="0">
+                <a:solidFill>
+                  <a:srgbClr val="000000"/>
+                </a:solidFill>
+                <a:latin typeface="-webkit-standard"/>
+                <a:ea typeface="Agrandir"/>
+                <a:cs typeface="Agrandir"/>
+                <a:sym typeface="Agrandir"/>
+              </a:rPr>
+              <a:t> </a:t>
+            </a:r>
+            <a:r>
+              <a:rPr lang="en-US" sz="4000" dirty="0">
+                <a:solidFill>
+                  <a:srgbClr val="000000"/>
+                </a:solidFill>
+                <a:latin typeface="-webkit-standard"/>
+                <a:ea typeface="Agrandir"/>
+                <a:cs typeface="Agrandir"/>
+                <a:sym typeface="Agrandir"/>
+              </a:rPr>
+              <a:t>to predict </a:t>
+            </a:r>
+            <a:r>
+              <a:rPr lang="en-US" sz="4000" b="1" i="0" u="none" strike="noStrike" dirty="0">
+                <a:solidFill>
+                  <a:srgbClr val="000000"/>
+                </a:solidFill>
+                <a:effectLst/>
+              </a:rPr>
+              <a:t>S&amp;P 500 index increased</a:t>
+            </a:r>
+            <a:r>
+              <a:rPr lang="en-US" sz="4000" b="0" i="0" u="none" strike="noStrike" dirty="0">
+                <a:solidFill>
+                  <a:srgbClr val="000000"/>
+                </a:solidFill>
+                <a:effectLst/>
+                <a:latin typeface="-webkit-standard"/>
+              </a:rPr>
+              <a:t> </a:t>
+            </a:r>
+            <a:r>
+              <a:rPr lang="en-US" sz="4000" b="1" spc="-150" dirty="0">
+                <a:solidFill>
+                  <a:srgbClr val="171717"/>
+                </a:solidFill>
+                <a:latin typeface="Agrandir Bold"/>
+                <a:sym typeface="Agrandir Bold"/>
+              </a:rPr>
+              <a:t> </a:t>
             </a:r>
             <a:endParaRPr lang="en-US" sz="4000" dirty="0">
               <a:solidFill>
@@ -3786,583 +3876,17 @@
               <a:sym typeface="Agrandir"/>
             </a:endParaRPr>
           </a:p>
-        </p:txBody>
-      </p:sp>
-      <p:sp>
-        <p:nvSpPr>
-          <p:cNvPr id="12" name="Freeform 15">
-            <a:extLst>
-              <a:ext uri="{FF2B5EF4-FFF2-40B4-BE49-F238E27FC236}">
-                <a16:creationId xmlns:a16="http://schemas.microsoft.com/office/drawing/2014/main" id="{DE35FDDA-73F0-F1BF-C819-4A930AB9052C}"/>
-              </a:ext>
-            </a:extLst>
-          </p:cNvPr>
-          <p:cNvSpPr/>
-          <p:nvPr/>
-        </p:nvSpPr>
-        <p:spPr>
-          <a:xfrm rot="4382172">
-            <a:off x="15212051" y="2505597"/>
-            <a:ext cx="2744400" cy="2725354"/>
-          </a:xfrm>
-          <a:custGeom>
-            <a:avLst/>
-            <a:gdLst/>
-            <a:ahLst/>
-            <a:cxnLst/>
-            <a:rect l="l" t="t" r="r" b="b"/>
-            <a:pathLst>
-              <a:path w="2950826" h="2961595">
-                <a:moveTo>
-                  <a:pt x="0" y="0"/>
-                </a:moveTo>
-                <a:lnTo>
-                  <a:pt x="2950826" y="0"/>
-                </a:lnTo>
-                <a:lnTo>
-                  <a:pt x="2950826" y="2961595"/>
-                </a:lnTo>
-                <a:lnTo>
-                  <a:pt x="0" y="2961595"/>
-                </a:lnTo>
-                <a:lnTo>
-                  <a:pt x="0" y="0"/>
-                </a:lnTo>
-                <a:close/>
-              </a:path>
-            </a:pathLst>
-          </a:custGeom>
-          <a:blipFill>
-            <a:blip r:embed="rId2">
-              <a:extLst>
-                <a:ext uri="{96DAC541-7B7A-43D3-8B79-37D633B846F1}">
-                  <asvg:svgBlip xmlns:asvg="http://schemas.microsoft.com/office/drawing/2016/SVG/main" r:embed="rId3"/>
-                </a:ext>
-              </a:extLst>
-            </a:blip>
-            <a:stretch>
-              <a:fillRect/>
-            </a:stretch>
-          </a:blipFill>
-        </p:spPr>
-        <p:txBody>
-          <a:bodyPr/>
-          <a:lstStyle/>
-          <a:p>
-            <a:endParaRPr lang="en-TW"/>
-          </a:p>
-        </p:txBody>
-      </p:sp>
-      <p:pic>
-        <p:nvPicPr>
-          <p:cNvPr id="31" name="Picture 30" descr="A diagram of a confused matrix&#10;&#10;Description automatically generated">
-            <a:extLst>
-              <a:ext uri="{FF2B5EF4-FFF2-40B4-BE49-F238E27FC236}">
-                <a16:creationId xmlns:a16="http://schemas.microsoft.com/office/drawing/2014/main" id="{E4E94339-A39E-69D3-8304-83719AE9F0D4}"/>
-              </a:ext>
-            </a:extLst>
-          </p:cNvPr>
-          <p:cNvPicPr>
-            <a:picLocks noChangeAspect="1"/>
-          </p:cNvPicPr>
-          <p:nvPr/>
-        </p:nvPicPr>
-        <p:blipFill>
-          <a:blip r:embed="rId4">
-            <a:extLst>
-              <a:ext uri="{28A0092B-C50C-407E-A947-70E740481C1C}">
-                <a14:useLocalDpi xmlns:a14="http://schemas.microsoft.com/office/drawing/2010/main" val="0"/>
-              </a:ext>
-            </a:extLst>
-          </a:blip>
-          <a:stretch>
-            <a:fillRect/>
-          </a:stretch>
-        </p:blipFill>
-        <p:spPr>
-          <a:xfrm>
-            <a:off x="6019800" y="2324100"/>
-            <a:ext cx="8839200" cy="7894738"/>
-          </a:xfrm>
-          <a:prstGeom prst="rect">
-            <a:avLst/>
-          </a:prstGeom>
-        </p:spPr>
-      </p:pic>
-      <p:sp>
-        <p:nvSpPr>
-          <p:cNvPr id="33" name="TextBox 32">
-            <a:extLst>
-              <a:ext uri="{FF2B5EF4-FFF2-40B4-BE49-F238E27FC236}">
-                <a16:creationId xmlns:a16="http://schemas.microsoft.com/office/drawing/2014/main" id="{EEA86D09-0219-27D1-1620-D55C4C135734}"/>
-              </a:ext>
-            </a:extLst>
-          </p:cNvPr>
-          <p:cNvSpPr txBox="1"/>
-          <p:nvPr/>
-        </p:nvSpPr>
-        <p:spPr>
-          <a:xfrm>
-            <a:off x="6781800" y="5143500"/>
-            <a:ext cx="3484418" cy="584775"/>
-          </a:xfrm>
-          <a:prstGeom prst="rect">
-            <a:avLst/>
-          </a:prstGeom>
-          <a:noFill/>
-        </p:spPr>
-        <p:txBody>
-          <a:bodyPr wrap="square">
-            <a:spAutoFit/>
-          </a:bodyPr>
-          <a:lstStyle/>
-          <a:p>
-            <a:r>
-              <a:rPr lang="en-US" sz="3200" b="0" i="0" u="none" strike="noStrike" dirty="0">
-                <a:solidFill>
-                  <a:srgbClr val="000000"/>
-                </a:solidFill>
-                <a:effectLst/>
-                <a:highlight>
-                  <a:srgbClr val="FFFF00"/>
-                </a:highlight>
-                <a:latin typeface="-webkit-standard"/>
-              </a:rPr>
-              <a:t>True Negatives (TN) </a:t>
-            </a:r>
-            <a:endParaRPr lang="en-TW" sz="3200" dirty="0">
-              <a:highlight>
-                <a:srgbClr val="FFFF00"/>
-              </a:highlight>
-            </a:endParaRPr>
-          </a:p>
-        </p:txBody>
-      </p:sp>
-      <p:sp>
-        <p:nvSpPr>
-          <p:cNvPr id="36" name="TextBox 35">
-            <a:extLst>
-              <a:ext uri="{FF2B5EF4-FFF2-40B4-BE49-F238E27FC236}">
-                <a16:creationId xmlns:a16="http://schemas.microsoft.com/office/drawing/2014/main" id="{58DA56AC-5C7A-9A69-803C-7E574429D3D4}"/>
-              </a:ext>
-            </a:extLst>
-          </p:cNvPr>
-          <p:cNvSpPr txBox="1"/>
-          <p:nvPr/>
-        </p:nvSpPr>
-        <p:spPr>
-          <a:xfrm>
-            <a:off x="10058400" y="6743700"/>
-            <a:ext cx="3484418" cy="584775"/>
-          </a:xfrm>
-          <a:prstGeom prst="rect">
-            <a:avLst/>
-          </a:prstGeom>
-          <a:noFill/>
-        </p:spPr>
-        <p:txBody>
-          <a:bodyPr wrap="square">
-            <a:spAutoFit/>
-          </a:bodyPr>
-          <a:lstStyle/>
-          <a:p>
-            <a:r>
-              <a:rPr lang="en-US" sz="3200" b="0" i="0" u="none" strike="noStrike" dirty="0">
-                <a:solidFill>
-                  <a:srgbClr val="000000"/>
-                </a:solidFill>
-                <a:effectLst/>
-                <a:highlight>
-                  <a:srgbClr val="FFFF00"/>
-                </a:highlight>
-                <a:latin typeface="-webkit-standard"/>
-              </a:rPr>
-              <a:t>True Positives (TP)</a:t>
-            </a:r>
-            <a:endParaRPr lang="en-TW" sz="3200" dirty="0">
-              <a:highlight>
-                <a:srgbClr val="FFFF00"/>
-              </a:highlight>
-            </a:endParaRPr>
-          </a:p>
-        </p:txBody>
-      </p:sp>
-      <p:sp>
-        <p:nvSpPr>
-          <p:cNvPr id="38" name="TextBox 37">
-            <a:extLst>
-              <a:ext uri="{FF2B5EF4-FFF2-40B4-BE49-F238E27FC236}">
-                <a16:creationId xmlns:a16="http://schemas.microsoft.com/office/drawing/2014/main" id="{0232E337-19E9-68B3-9174-31F596AD59CF}"/>
-              </a:ext>
-            </a:extLst>
-          </p:cNvPr>
-          <p:cNvSpPr txBox="1"/>
-          <p:nvPr/>
-        </p:nvSpPr>
-        <p:spPr>
-          <a:xfrm>
-            <a:off x="10058400" y="4611259"/>
-            <a:ext cx="3484418" cy="584775"/>
-          </a:xfrm>
-          <a:prstGeom prst="rect">
-            <a:avLst/>
-          </a:prstGeom>
-          <a:noFill/>
-        </p:spPr>
-        <p:txBody>
-          <a:bodyPr wrap="square">
-            <a:spAutoFit/>
-          </a:bodyPr>
-          <a:lstStyle/>
-          <a:p>
-            <a:r>
-              <a:rPr lang="en-US" sz="3200" b="1" i="0" u="none" strike="noStrike" dirty="0">
-                <a:solidFill>
-                  <a:srgbClr val="000000"/>
-                </a:solidFill>
-                <a:effectLst/>
-                <a:highlight>
-                  <a:srgbClr val="00FF00"/>
-                </a:highlight>
-              </a:rPr>
-              <a:t>False Positives (FP)</a:t>
-            </a:r>
-            <a:r>
-              <a:rPr lang="en-US" sz="3200" b="0" i="0" u="none" strike="noStrike" dirty="0">
-                <a:solidFill>
-                  <a:srgbClr val="000000"/>
-                </a:solidFill>
-                <a:effectLst/>
-                <a:highlight>
-                  <a:srgbClr val="00FF00"/>
-                </a:highlight>
-                <a:latin typeface="-webkit-standard"/>
-              </a:rPr>
-              <a:t> </a:t>
-            </a:r>
-            <a:endParaRPr lang="en-TW" sz="3200" dirty="0">
-              <a:highlight>
-                <a:srgbClr val="00FF00"/>
-              </a:highlight>
-            </a:endParaRPr>
-          </a:p>
-        </p:txBody>
-      </p:sp>
-      <p:sp>
-        <p:nvSpPr>
-          <p:cNvPr id="40" name="TextBox 39">
-            <a:extLst>
-              <a:ext uri="{FF2B5EF4-FFF2-40B4-BE49-F238E27FC236}">
-                <a16:creationId xmlns:a16="http://schemas.microsoft.com/office/drawing/2014/main" id="{3DE0F289-6812-AD1F-14EA-DD91F76754BB}"/>
-              </a:ext>
-            </a:extLst>
-          </p:cNvPr>
-          <p:cNvSpPr txBox="1"/>
-          <p:nvPr/>
-        </p:nvSpPr>
-        <p:spPr>
-          <a:xfrm>
-            <a:off x="6686550" y="8255287"/>
-            <a:ext cx="3718214" cy="584775"/>
-          </a:xfrm>
-          <a:prstGeom prst="rect">
-            <a:avLst/>
-          </a:prstGeom>
-          <a:noFill/>
-        </p:spPr>
-        <p:txBody>
-          <a:bodyPr wrap="square">
-            <a:spAutoFit/>
-          </a:bodyPr>
-          <a:lstStyle/>
-          <a:p>
-            <a:r>
-              <a:rPr lang="en-US" sz="3200" b="0" i="0" u="none" strike="noStrike" dirty="0">
-                <a:solidFill>
-                  <a:srgbClr val="000000"/>
-                </a:solidFill>
-                <a:effectLst/>
-                <a:highlight>
-                  <a:srgbClr val="00FF00"/>
-                </a:highlight>
-                <a:latin typeface="-webkit-standard"/>
-              </a:rPr>
-              <a:t>False Negatives (FN)</a:t>
-            </a:r>
-            <a:endParaRPr lang="en-TW" sz="3200" dirty="0">
-              <a:highlight>
-                <a:srgbClr val="00FF00"/>
-              </a:highlight>
-            </a:endParaRPr>
-          </a:p>
-        </p:txBody>
-      </p:sp>
-      <p:sp>
-        <p:nvSpPr>
-          <p:cNvPr id="42" name="TextBox 41">
-            <a:extLst>
-              <a:ext uri="{FF2B5EF4-FFF2-40B4-BE49-F238E27FC236}">
-                <a16:creationId xmlns:a16="http://schemas.microsoft.com/office/drawing/2014/main" id="{6BEC77B3-C246-5AF5-6699-3CF407BCA118}"/>
-              </a:ext>
-            </a:extLst>
-          </p:cNvPr>
-          <p:cNvSpPr txBox="1"/>
-          <p:nvPr/>
-        </p:nvSpPr>
-        <p:spPr>
-          <a:xfrm>
-            <a:off x="0" y="3839416"/>
-            <a:ext cx="5465618" cy="3477875"/>
-          </a:xfrm>
-          <a:prstGeom prst="rect">
-            <a:avLst/>
-          </a:prstGeom>
-          <a:noFill/>
-        </p:spPr>
-        <p:txBody>
-          <a:bodyPr wrap="square">
-            <a:spAutoFit/>
-          </a:bodyPr>
-          <a:lstStyle/>
-          <a:p>
-            <a:pPr lvl="1"/>
-            <a:endParaRPr lang="en-US" sz="2800" b="0" i="0" u="none" strike="noStrike" dirty="0">
-              <a:solidFill>
-                <a:srgbClr val="000000"/>
-              </a:solidFill>
-              <a:effectLst/>
-            </a:endParaRPr>
-          </a:p>
-          <a:p>
-            <a:pPr lvl="1">
+          <a:p>
+            <a:pPr marL="571500" indent="-571500">
+              <a:spcBef>
+                <a:spcPct val="0"/>
+              </a:spcBef>
               <a:buFont typeface="Arial" panose="020B0604020202020204" pitchFamily="34" charset="0"/>
               <a:buChar char="•"/>
             </a:pPr>
             <a:r>
-              <a:rPr lang="en-US" sz="2400" b="1" i="0" u="none" strike="noStrike" dirty="0">
-                <a:solidFill>
-                  <a:srgbClr val="000000"/>
-                </a:solidFill>
-                <a:effectLst/>
-              </a:rPr>
-              <a:t>True Positives (TP)</a:t>
-            </a:r>
-            <a:r>
-              <a:rPr lang="en-US" sz="2400" b="0" i="0" u="none" strike="noStrike" dirty="0">
-                <a:solidFill>
-                  <a:srgbClr val="000000"/>
-                </a:solidFill>
-                <a:effectLst/>
-              </a:rPr>
-              <a:t> = model predicted Up, actual Up</a:t>
-            </a:r>
-          </a:p>
-          <a:p>
-            <a:pPr lvl="1">
-              <a:buFont typeface="Arial" panose="020B0604020202020204" pitchFamily="34" charset="0"/>
-              <a:buChar char="•"/>
-            </a:pPr>
-            <a:r>
-              <a:rPr lang="en-US" sz="2400" b="1" i="0" u="none" strike="noStrike" dirty="0">
-                <a:solidFill>
-                  <a:srgbClr val="000000"/>
-                </a:solidFill>
-                <a:effectLst/>
-              </a:rPr>
-              <a:t>True Negatives (TN)</a:t>
-            </a:r>
-            <a:r>
-              <a:rPr lang="en-US" sz="2400" b="0" i="0" u="none" strike="noStrike" dirty="0">
-                <a:solidFill>
-                  <a:srgbClr val="000000"/>
-                </a:solidFill>
-                <a:effectLst/>
-              </a:rPr>
-              <a:t> = model predicted Down, actual Down</a:t>
-            </a:r>
-          </a:p>
-          <a:p>
-            <a:pPr lvl="1">
-              <a:buFont typeface="Arial" panose="020B0604020202020204" pitchFamily="34" charset="0"/>
-              <a:buChar char="•"/>
-            </a:pPr>
-            <a:r>
-              <a:rPr lang="en-US" sz="2400" b="1" i="0" u="none" strike="noStrike" dirty="0">
-                <a:solidFill>
-                  <a:srgbClr val="000000"/>
-                </a:solidFill>
-                <a:effectLst/>
-              </a:rPr>
-              <a:t>False Positives (FP)</a:t>
-            </a:r>
-            <a:r>
-              <a:rPr lang="en-US" sz="2400" b="0" i="0" u="none" strike="noStrike" dirty="0">
-                <a:solidFill>
-                  <a:srgbClr val="000000"/>
-                </a:solidFill>
-                <a:effectLst/>
-              </a:rPr>
-              <a:t> = predicted Up, actual Down</a:t>
-            </a:r>
-          </a:p>
-          <a:p>
-            <a:pPr lvl="1">
-              <a:buFont typeface="Arial" panose="020B0604020202020204" pitchFamily="34" charset="0"/>
-              <a:buChar char="•"/>
-            </a:pPr>
-            <a:r>
-              <a:rPr lang="en-US" sz="2400" b="1" i="0" u="none" strike="noStrike" dirty="0">
-                <a:solidFill>
-                  <a:srgbClr val="000000"/>
-                </a:solidFill>
-                <a:effectLst/>
-              </a:rPr>
-              <a:t>False Negatives (FN)</a:t>
-            </a:r>
-            <a:r>
-              <a:rPr lang="en-US" sz="2400" b="0" i="0" u="none" strike="noStrike" dirty="0">
-                <a:solidFill>
-                  <a:srgbClr val="000000"/>
-                </a:solidFill>
-                <a:effectLst/>
-              </a:rPr>
-              <a:t> = predicted Down, actual Up</a:t>
-            </a:r>
-          </a:p>
-        </p:txBody>
-      </p:sp>
-    </p:spTree>
-  </p:cSld>
-  <p:clrMapOvr>
-    <a:masterClrMapping/>
-  </p:clrMapOvr>
-</p:sld>
-</file>
-
-<file path=ppt/slides/slide11.xml><?xml version="1.0" encoding="utf-8"?>
-<p:sld xmlns:a="http://schemas.openxmlformats.org/drawingml/2006/main" xmlns:r="http://schemas.openxmlformats.org/officeDocument/2006/relationships" xmlns:p="http://schemas.openxmlformats.org/presentationml/2006/main">
-  <p:cSld>
-    <p:spTree>
-      <p:nvGrpSpPr>
-        <p:cNvPr id="1" name=""/>
-        <p:cNvGrpSpPr/>
-        <p:nvPr/>
-      </p:nvGrpSpPr>
-      <p:grpSpPr>
-        <a:xfrm>
-          <a:off x="0" y="0"/>
-          <a:ext cx="0" cy="0"/>
-          <a:chOff x="0" y="0"/>
-          <a:chExt cx="0" cy="0"/>
-        </a:xfrm>
-      </p:grpSpPr>
-      <p:sp>
-        <p:nvSpPr>
-          <p:cNvPr id="8" name="TextBox 8"/>
-          <p:cNvSpPr txBox="1"/>
-          <p:nvPr/>
-        </p:nvSpPr>
-        <p:spPr>
-          <a:xfrm>
-            <a:off x="561109" y="357322"/>
-            <a:ext cx="17726891" cy="1211485"/>
-          </a:xfrm>
-          <a:prstGeom prst="rect">
-            <a:avLst/>
-          </a:prstGeom>
-        </p:spPr>
-        <p:txBody>
-          <a:bodyPr wrap="square" lIns="0" tIns="0" rIns="0" bIns="0" rtlCol="0" anchor="t">
-            <a:spAutoFit/>
-          </a:bodyPr>
-          <a:lstStyle/>
-          <a:p>
-            <a:pPr marL="0" lvl="0" indent="0" algn="l">
-              <a:lnSpc>
-                <a:spcPts val="9799"/>
-              </a:lnSpc>
-            </a:pPr>
-            <a:r>
-              <a:rPr lang="en-US" sz="7200" b="1" spc="-150" dirty="0">
-                <a:solidFill>
-                  <a:srgbClr val="171717"/>
-                </a:solidFill>
-                <a:latin typeface="Agrandir Bold"/>
-                <a:sym typeface="Agrandir Bold"/>
-              </a:rPr>
-              <a:t>Model error(39): </a:t>
-            </a:r>
-            <a:r>
-              <a:rPr lang="en-US" sz="7200" b="1" i="0" u="none" strike="noStrike" dirty="0">
-                <a:solidFill>
-                  <a:srgbClr val="000000"/>
-                </a:solidFill>
-                <a:effectLst/>
-              </a:rPr>
-              <a:t>S&amp;P 500 index increased</a:t>
-            </a:r>
-            <a:r>
-              <a:rPr lang="en-US" sz="7200" b="0" i="0" u="none" strike="noStrike" dirty="0">
-                <a:solidFill>
-                  <a:srgbClr val="000000"/>
-                </a:solidFill>
-                <a:effectLst/>
-                <a:latin typeface="-webkit-standard"/>
-              </a:rPr>
-              <a:t> </a:t>
-            </a:r>
-            <a:r>
-              <a:rPr lang="en-US" sz="7200" b="1" spc="-150" dirty="0">
-                <a:solidFill>
-                  <a:srgbClr val="171717"/>
-                </a:solidFill>
-                <a:latin typeface="Agrandir Bold"/>
-                <a:sym typeface="Agrandir Bold"/>
-              </a:rPr>
-              <a:t> </a:t>
-            </a:r>
-          </a:p>
-        </p:txBody>
-      </p:sp>
-      <p:sp>
-        <p:nvSpPr>
-          <p:cNvPr id="9" name="TextBox 9"/>
-          <p:cNvSpPr txBox="1"/>
-          <p:nvPr/>
-        </p:nvSpPr>
-        <p:spPr>
-          <a:xfrm>
-            <a:off x="561109" y="1527151"/>
-            <a:ext cx="17422091" cy="615553"/>
-          </a:xfrm>
-          <a:prstGeom prst="rect">
-            <a:avLst/>
-          </a:prstGeom>
-        </p:spPr>
-        <p:txBody>
-          <a:bodyPr wrap="square" lIns="0" tIns="0" rIns="0" bIns="0" rtlCol="0" anchor="t">
-            <a:spAutoFit/>
-          </a:bodyPr>
-          <a:lstStyle/>
-          <a:p>
-            <a:pPr>
-              <a:spcBef>
-                <a:spcPct val="0"/>
-              </a:spcBef>
-            </a:pPr>
-            <a:r>
               <a:rPr lang="en-US" sz="4000" dirty="0"/>
-              <a:t>MODEL of for SP5_Up (</a:t>
-            </a:r>
-            <a:r>
-              <a:rPr lang="en-US" sz="4000" b="0" i="0" u="none" strike="noStrike" dirty="0">
-                <a:solidFill>
-                  <a:srgbClr val="000000"/>
-                </a:solidFill>
-                <a:effectLst/>
-                <a:latin typeface="-webkit-standard"/>
-              </a:rPr>
-              <a:t>The </a:t>
+              <a:t>Accuracy for SP5_Up: 0.8762, </a:t>
             </a:r>
             <a:r>
               <a:rPr lang="en-US" sz="4000" b="1" i="0" u="none" strike="noStrike" dirty="0">
@@ -4371,36 +3895,17 @@
                 </a:solidFill>
                 <a:effectLst/>
               </a:rPr>
-              <a:t>S&amp;P 500 index increased</a:t>
-            </a:r>
-            <a:r>
-              <a:rPr lang="en-US" sz="4000" b="0" i="0" u="none" strike="noStrike" dirty="0">
-                <a:solidFill>
-                  <a:srgbClr val="000000"/>
-                </a:solidFill>
-                <a:effectLst/>
-                <a:latin typeface="-webkit-standard"/>
-              </a:rPr>
-              <a:t> compared to the previous day.)</a:t>
-            </a:r>
-            <a:endParaRPr lang="en-US" sz="4000" dirty="0">
-              <a:solidFill>
-                <a:srgbClr val="000000"/>
-              </a:solidFill>
-              <a:latin typeface="-webkit-standard"/>
-              <a:ea typeface="Agrandir"/>
-              <a:cs typeface="Agrandir"/>
-              <a:sym typeface="Agrandir"/>
-            </a:endParaRPr>
+              <a:t>87.6% accuracy</a:t>
+            </a:r>
           </a:p>
         </p:txBody>
       </p:sp>
       <p:pic>
         <p:nvPicPr>
-          <p:cNvPr id="31" name="Picture 30" descr="A diagram of a confused matrix&#10;&#10;Description automatically generated">
+          <p:cNvPr id="22" name="Picture 21" descr="A graph with blue lines and orange dots&#10;&#10;Description automatically generated">
             <a:extLst>
               <a:ext uri="{FF2B5EF4-FFF2-40B4-BE49-F238E27FC236}">
-                <a16:creationId xmlns:a16="http://schemas.microsoft.com/office/drawing/2014/main" id="{E4E94339-A39E-69D3-8304-83719AE9F0D4}"/>
+                <a16:creationId xmlns:a16="http://schemas.microsoft.com/office/drawing/2014/main" id="{66706A02-1329-841B-D0C6-FE31DB88D446}"/>
               </a:ext>
             </a:extLst>
           </p:cNvPr>
@@ -4423,8 +3928,8 @@
         </p:blipFill>
         <p:spPr>
           <a:xfrm>
-            <a:off x="9296400" y="2324100"/>
-            <a:ext cx="8839200" cy="7894738"/>
+            <a:off x="0" y="4793231"/>
+            <a:ext cx="11330426" cy="5303269"/>
           </a:xfrm>
           <a:prstGeom prst="rect">
             <a:avLst/>
@@ -4433,228 +3938,170 @@
       </p:pic>
       <p:sp>
         <p:nvSpPr>
-          <p:cNvPr id="33" name="TextBox 32">
+          <p:cNvPr id="23" name="Oval 22">
             <a:extLst>
               <a:ext uri="{FF2B5EF4-FFF2-40B4-BE49-F238E27FC236}">
-                <a16:creationId xmlns:a16="http://schemas.microsoft.com/office/drawing/2014/main" id="{EEA86D09-0219-27D1-1620-D55C4C135734}"/>
+                <a16:creationId xmlns:a16="http://schemas.microsoft.com/office/drawing/2014/main" id="{4A7CED1D-4D5D-F4B5-FAAA-8553E313A6FF}"/>
               </a:ext>
             </a:extLst>
           </p:cNvPr>
-          <p:cNvSpPr txBox="1"/>
+          <p:cNvSpPr/>
           <p:nvPr/>
         </p:nvSpPr>
         <p:spPr>
           <a:xfrm>
-            <a:off x="10058400" y="5143500"/>
-            <a:ext cx="3484418" cy="584775"/>
+            <a:off x="3581400" y="5143500"/>
+            <a:ext cx="2362200" cy="4563817"/>
           </a:xfrm>
-          <a:prstGeom prst="rect">
+          <a:prstGeom prst="ellipse">
             <a:avLst/>
           </a:prstGeom>
           <a:noFill/>
+          <a:ln w="28575">
+            <a:solidFill>
+              <a:srgbClr val="FF0000"/>
+            </a:solidFill>
+          </a:ln>
         </p:spPr>
-        <p:txBody>
-          <a:bodyPr wrap="square">
-            <a:spAutoFit/>
-          </a:bodyPr>
-          <a:lstStyle/>
-          <a:p>
-            <a:r>
-              <a:rPr lang="en-US" sz="3200" b="0" i="0" u="none" strike="noStrike" dirty="0">
-                <a:solidFill>
-                  <a:srgbClr val="000000"/>
-                </a:solidFill>
-                <a:effectLst/>
-                <a:highlight>
-                  <a:srgbClr val="FFFF00"/>
-                </a:highlight>
-                <a:latin typeface="-webkit-standard"/>
-              </a:rPr>
-              <a:t>True Negatives (TN) </a:t>
-            </a:r>
-            <a:endParaRPr lang="en-TW" sz="3200" dirty="0">
-              <a:highlight>
-                <a:srgbClr val="FFFF00"/>
-              </a:highlight>
-            </a:endParaRPr>
-          </a:p>
-        </p:txBody>
-      </p:sp>
-      <p:sp>
-        <p:nvSpPr>
-          <p:cNvPr id="36" name="TextBox 35">
+        <p:style>
+          <a:lnRef idx="2">
+            <a:schemeClr val="accent6"/>
+          </a:lnRef>
+          <a:fillRef idx="1">
+            <a:schemeClr val="lt1"/>
+          </a:fillRef>
+          <a:effectRef idx="0">
+            <a:schemeClr val="accent6"/>
+          </a:effectRef>
+          <a:fontRef idx="minor">
+            <a:schemeClr val="dk1"/>
+          </a:fontRef>
+        </p:style>
+        <p:txBody>
+          <a:bodyPr rtlCol="0" anchor="ctr"/>
+          <a:lstStyle/>
+          <a:p>
+            <a:pPr algn="ctr"/>
+            <a:endParaRPr lang="en-TW"/>
+          </a:p>
+        </p:txBody>
+      </p:sp>
+      <p:sp>
+        <p:nvSpPr>
+          <p:cNvPr id="24" name="Oval 23">
             <a:extLst>
               <a:ext uri="{FF2B5EF4-FFF2-40B4-BE49-F238E27FC236}">
-                <a16:creationId xmlns:a16="http://schemas.microsoft.com/office/drawing/2014/main" id="{58DA56AC-5C7A-9A69-803C-7E574429D3D4}"/>
+                <a16:creationId xmlns:a16="http://schemas.microsoft.com/office/drawing/2014/main" id="{B0428BFE-B07B-348A-8AEC-01A4B36D41BD}"/>
               </a:ext>
             </a:extLst>
           </p:cNvPr>
-          <p:cNvSpPr txBox="1"/>
+          <p:cNvSpPr/>
           <p:nvPr/>
         </p:nvSpPr>
         <p:spPr>
           <a:xfrm>
-            <a:off x="13335000" y="6743700"/>
-            <a:ext cx="3484418" cy="584775"/>
+            <a:off x="7696199" y="5223164"/>
+            <a:ext cx="1676402" cy="4563817"/>
           </a:xfrm>
-          <a:prstGeom prst="rect">
+          <a:prstGeom prst="ellipse">
             <a:avLst/>
           </a:prstGeom>
           <a:noFill/>
+          <a:ln w="28575">
+            <a:solidFill>
+              <a:srgbClr val="FF0000"/>
+            </a:solidFill>
+          </a:ln>
         </p:spPr>
-        <p:txBody>
-          <a:bodyPr wrap="square">
-            <a:spAutoFit/>
-          </a:bodyPr>
-          <a:lstStyle/>
-          <a:p>
-            <a:r>
-              <a:rPr lang="en-US" sz="3200" b="0" i="0" u="none" strike="noStrike" dirty="0">
-                <a:solidFill>
-                  <a:srgbClr val="000000"/>
-                </a:solidFill>
-                <a:effectLst/>
-                <a:highlight>
-                  <a:srgbClr val="FFFF00"/>
-                </a:highlight>
-                <a:latin typeface="-webkit-standard"/>
-              </a:rPr>
-              <a:t>True Positives (TP)</a:t>
-            </a:r>
-            <a:endParaRPr lang="en-TW" sz="3200" dirty="0">
-              <a:highlight>
-                <a:srgbClr val="FFFF00"/>
-              </a:highlight>
-            </a:endParaRPr>
-          </a:p>
-        </p:txBody>
-      </p:sp>
-      <p:sp>
-        <p:nvSpPr>
-          <p:cNvPr id="38" name="TextBox 37">
+        <p:style>
+          <a:lnRef idx="2">
+            <a:schemeClr val="accent6"/>
+          </a:lnRef>
+          <a:fillRef idx="1">
+            <a:schemeClr val="lt1"/>
+          </a:fillRef>
+          <a:effectRef idx="0">
+            <a:schemeClr val="accent6"/>
+          </a:effectRef>
+          <a:fontRef idx="minor">
+            <a:schemeClr val="dk1"/>
+          </a:fontRef>
+        </p:style>
+        <p:txBody>
+          <a:bodyPr rtlCol="0" anchor="ctr"/>
+          <a:lstStyle/>
+          <a:p>
+            <a:pPr algn="ctr"/>
+            <a:endParaRPr lang="en-TW"/>
+          </a:p>
+        </p:txBody>
+      </p:sp>
+      <p:sp>
+        <p:nvSpPr>
+          <p:cNvPr id="25" name="Oval 24">
             <a:extLst>
               <a:ext uri="{FF2B5EF4-FFF2-40B4-BE49-F238E27FC236}">
-                <a16:creationId xmlns:a16="http://schemas.microsoft.com/office/drawing/2014/main" id="{0232E337-19E9-68B3-9174-31F596AD59CF}"/>
+                <a16:creationId xmlns:a16="http://schemas.microsoft.com/office/drawing/2014/main" id="{B6EAAEF1-1B65-ACB9-432D-897D805D1438}"/>
               </a:ext>
             </a:extLst>
           </p:cNvPr>
-          <p:cNvSpPr txBox="1"/>
+          <p:cNvSpPr/>
           <p:nvPr/>
         </p:nvSpPr>
         <p:spPr>
           <a:xfrm>
-            <a:off x="13335000" y="4611259"/>
-            <a:ext cx="3484418" cy="584775"/>
+            <a:off x="9525000" y="5143501"/>
+            <a:ext cx="2057400" cy="4651664"/>
           </a:xfrm>
-          <a:prstGeom prst="rect">
+          <a:prstGeom prst="ellipse">
             <a:avLst/>
           </a:prstGeom>
           <a:noFill/>
+          <a:ln w="28575">
+            <a:solidFill>
+              <a:srgbClr val="FF0000"/>
+            </a:solidFill>
+          </a:ln>
         </p:spPr>
-        <p:txBody>
-          <a:bodyPr wrap="square">
-            <a:spAutoFit/>
-          </a:bodyPr>
-          <a:lstStyle/>
-          <a:p>
-            <a:r>
-              <a:rPr lang="en-US" sz="3200" b="1" i="0" u="none" strike="noStrike" dirty="0">
-                <a:solidFill>
-                  <a:srgbClr val="000000"/>
-                </a:solidFill>
-                <a:effectLst/>
-                <a:highlight>
-                  <a:srgbClr val="00FF00"/>
-                </a:highlight>
-              </a:rPr>
-              <a:t>False Positives (FP)</a:t>
-            </a:r>
-            <a:r>
-              <a:rPr lang="en-US" sz="3200" b="0" i="0" u="none" strike="noStrike" dirty="0">
-                <a:solidFill>
-                  <a:srgbClr val="000000"/>
-                </a:solidFill>
-                <a:effectLst/>
-                <a:highlight>
-                  <a:srgbClr val="00FF00"/>
-                </a:highlight>
-                <a:latin typeface="-webkit-standard"/>
-              </a:rPr>
-              <a:t> </a:t>
-            </a:r>
-            <a:endParaRPr lang="en-TW" sz="3200" dirty="0">
-              <a:highlight>
-                <a:srgbClr val="00FF00"/>
-              </a:highlight>
-            </a:endParaRPr>
-          </a:p>
-        </p:txBody>
-      </p:sp>
-      <p:sp>
-        <p:nvSpPr>
-          <p:cNvPr id="40" name="TextBox 39">
+        <p:style>
+          <a:lnRef idx="2">
+            <a:schemeClr val="accent6"/>
+          </a:lnRef>
+          <a:fillRef idx="1">
+            <a:schemeClr val="lt1"/>
+          </a:fillRef>
+          <a:effectRef idx="0">
+            <a:schemeClr val="accent6"/>
+          </a:effectRef>
+          <a:fontRef idx="minor">
+            <a:schemeClr val="dk1"/>
+          </a:fontRef>
+        </p:style>
+        <p:txBody>
+          <a:bodyPr rtlCol="0" anchor="ctr"/>
+          <a:lstStyle/>
+          <a:p>
+            <a:pPr algn="ctr"/>
+            <a:endParaRPr lang="en-TW"/>
+          </a:p>
+        </p:txBody>
+      </p:sp>
+      <p:sp>
+        <p:nvSpPr>
+          <p:cNvPr id="2" name="Rectangle 1">
             <a:extLst>
               <a:ext uri="{FF2B5EF4-FFF2-40B4-BE49-F238E27FC236}">
-                <a16:creationId xmlns:a16="http://schemas.microsoft.com/office/drawing/2014/main" id="{3DE0F289-6812-AD1F-14EA-DD91F76754BB}"/>
+                <a16:creationId xmlns:a16="http://schemas.microsoft.com/office/drawing/2014/main" id="{4520C275-24F8-126F-F013-DFC591B2FFB2}"/>
               </a:ext>
             </a:extLst>
           </p:cNvPr>
-          <p:cNvSpPr txBox="1"/>
+          <p:cNvSpPr/>
           <p:nvPr/>
         </p:nvSpPr>
         <p:spPr>
           <a:xfrm>
-            <a:off x="9963150" y="8255287"/>
-            <a:ext cx="3718214" cy="584775"/>
-          </a:xfrm>
-          <a:prstGeom prst="rect">
-            <a:avLst/>
-          </a:prstGeom>
-          <a:noFill/>
-        </p:spPr>
-        <p:txBody>
-          <a:bodyPr wrap="square">
-            <a:spAutoFit/>
-          </a:bodyPr>
-          <a:lstStyle/>
-          <a:p>
-            <a:r>
-              <a:rPr lang="en-US" sz="3200" b="0" i="0" u="none" strike="noStrike" dirty="0">
-                <a:solidFill>
-                  <a:srgbClr val="000000"/>
-                </a:solidFill>
-                <a:effectLst/>
-                <a:highlight>
-                  <a:srgbClr val="00FF00"/>
-                </a:highlight>
-                <a:latin typeface="-webkit-standard"/>
-              </a:rPr>
-              <a:t>False Negatives (FN)</a:t>
-            </a:r>
-            <a:endParaRPr lang="en-TW" sz="3200" dirty="0">
-              <a:highlight>
-                <a:srgbClr val="00FF00"/>
-              </a:highlight>
-            </a:endParaRPr>
-          </a:p>
-        </p:txBody>
-      </p:sp>
-      <p:sp>
-        <p:nvSpPr>
-          <p:cNvPr id="44" name="TextBox 43">
-            <a:extLst>
-              <a:ext uri="{FF2B5EF4-FFF2-40B4-BE49-F238E27FC236}">
-                <a16:creationId xmlns:a16="http://schemas.microsoft.com/office/drawing/2014/main" id="{AFB3221C-EB34-FA95-1D56-F48017756287}"/>
-              </a:ext>
-            </a:extLst>
-          </p:cNvPr>
-          <p:cNvSpPr txBox="1"/>
-          <p:nvPr/>
-        </p:nvSpPr>
-        <p:spPr>
-          <a:xfrm>
-            <a:off x="216476" y="6349726"/>
-            <a:ext cx="8839200" cy="2677656"/>
+            <a:off x="11330426" y="3600543"/>
+            <a:ext cx="6081795" cy="1219565"/>
           </a:xfrm>
           <a:prstGeom prst="rect">
             <a:avLst/>
@@ -4662,25 +4109,23 @@
         </p:spPr>
         <p:style>
           <a:lnRef idx="2">
-            <a:schemeClr val="accent2"/>
+            <a:schemeClr val="accent6"/>
           </a:lnRef>
           <a:fillRef idx="1">
             <a:schemeClr val="lt1"/>
           </a:fillRef>
           <a:effectRef idx="0">
-            <a:schemeClr val="accent2"/>
+            <a:schemeClr val="accent6"/>
           </a:effectRef>
           <a:fontRef idx="minor">
             <a:schemeClr val="dk1"/>
           </a:fontRef>
         </p:style>
         <p:txBody>
-          <a:bodyPr wrap="square">
-            <a:spAutoFit/>
-          </a:bodyPr>
-          <a:lstStyle/>
-          <a:p>
-            <a:pPr algn="l"/>
+          <a:bodyPr rtlCol="0" anchor="ctr"/>
+          <a:lstStyle/>
+          <a:p>
+            <a:pPr algn="ctr"/>
             <a:r>
               <a:rPr lang="en-US" sz="2800" b="1" i="0" u="none" strike="noStrike" dirty="0">
                 <a:solidFill>
@@ -4690,27 +4135,6 @@
               </a:rPr>
               <a:t>False Negatives (FN)</a:t>
             </a:r>
-          </a:p>
-          <a:p>
-            <a:pPr algn="l"/>
-            <a:r>
-              <a:rPr lang="en-US" sz="2800" b="0" i="1" u="none" strike="noStrike" dirty="0">
-                <a:solidFill>
-                  <a:srgbClr val="000000"/>
-                </a:solidFill>
-                <a:effectLst/>
-              </a:rPr>
-              <a:t>Model predicted Down when the market went Up.</a:t>
-            </a:r>
-            <a:endParaRPr lang="en-US" sz="2800" b="0" i="0" u="none" strike="noStrike" dirty="0">
-              <a:solidFill>
-                <a:srgbClr val="000000"/>
-              </a:solidFill>
-              <a:effectLst/>
-            </a:endParaRPr>
-          </a:p>
-          <a:p>
-            <a:pPr algn="l"/>
             <a:r>
               <a:rPr lang="en-US" sz="2800" b="0" i="0" u="none" strike="noStrike" dirty="0">
                 <a:solidFill>
@@ -4718,228 +4142,16 @@
                 </a:solidFill>
                 <a:effectLst/>
               </a:rPr>
-              <a:t>Possible reasons:</a:t>
-            </a:r>
-          </a:p>
-          <a:p>
-            <a:pPr algn="l">
-              <a:buFont typeface="Arial" panose="020B0604020202020204" pitchFamily="34" charset="0"/>
-              <a:buChar char="•"/>
-            </a:pPr>
-            <a:r>
-              <a:rPr lang="en-US" sz="2800" b="0" i="0" u="none" strike="noStrike" dirty="0">
-                <a:solidFill>
-                  <a:srgbClr val="000000"/>
-                </a:solidFill>
-                <a:effectLst/>
-              </a:rPr>
-              <a:t>Market recovered due to positive news unrelated to layoffs</a:t>
-            </a:r>
-          </a:p>
-          <a:p>
-            <a:pPr algn="l">
-              <a:buFont typeface="Arial" panose="020B0604020202020204" pitchFamily="34" charset="0"/>
-              <a:buChar char="•"/>
-            </a:pPr>
-            <a:r>
-              <a:rPr lang="en-US" sz="2800" b="0" i="0" u="none" strike="noStrike" dirty="0">
-                <a:solidFill>
-                  <a:srgbClr val="000000"/>
-                </a:solidFill>
-                <a:effectLst/>
-              </a:rPr>
-              <a:t>Limited representation of rare market behavior</a:t>
-            </a:r>
-          </a:p>
-          <a:p>
-            <a:pPr algn="l">
-              <a:buFont typeface="Arial" panose="020B0604020202020204" pitchFamily="34" charset="0"/>
-              <a:buChar char="•"/>
-            </a:pPr>
-            <a:r>
-              <a:rPr lang="en-US" sz="2800" b="0" i="0" u="none" strike="noStrike" dirty="0">
-                <a:solidFill>
-                  <a:srgbClr val="000000"/>
-                </a:solidFill>
-                <a:effectLst/>
-              </a:rPr>
-              <a:t>Decision Tree oversimplifying complex market patterns</a:t>
-            </a:r>
-          </a:p>
-        </p:txBody>
-      </p:sp>
-      <p:sp>
-        <p:nvSpPr>
-          <p:cNvPr id="3" name="TextBox 2">
-            <a:extLst>
-              <a:ext uri="{FF2B5EF4-FFF2-40B4-BE49-F238E27FC236}">
-                <a16:creationId xmlns:a16="http://schemas.microsoft.com/office/drawing/2014/main" id="{0207C101-EC53-F0AF-5EEA-4FBE07EECD91}"/>
-              </a:ext>
-            </a:extLst>
-          </p:cNvPr>
-          <p:cNvSpPr txBox="1"/>
-          <p:nvPr/>
-        </p:nvSpPr>
-        <p:spPr>
-          <a:xfrm>
-            <a:off x="228600" y="2476500"/>
-            <a:ext cx="8763001" cy="3539430"/>
-          </a:xfrm>
-          <a:prstGeom prst="rect">
-            <a:avLst/>
-          </a:prstGeom>
-        </p:spPr>
-        <p:style>
-          <a:lnRef idx="2">
-            <a:schemeClr val="accent2"/>
-          </a:lnRef>
-          <a:fillRef idx="1">
-            <a:schemeClr val="lt1"/>
-          </a:fillRef>
-          <a:effectRef idx="0">
-            <a:schemeClr val="accent2"/>
-          </a:effectRef>
-          <a:fontRef idx="minor">
-            <a:schemeClr val="dk1"/>
-          </a:fontRef>
-        </p:style>
-        <p:txBody>
-          <a:bodyPr wrap="square">
-            <a:spAutoFit/>
-          </a:bodyPr>
-          <a:lstStyle/>
-          <a:p>
-            <a:r>
-              <a:rPr lang="en-US" sz="3200" b="1" i="0" u="none" strike="noStrike" dirty="0">
-                <a:solidFill>
-                  <a:srgbClr val="000000"/>
-                </a:solidFill>
-                <a:effectLst/>
-              </a:rPr>
-              <a:t>False Positives (FP)</a:t>
-            </a:r>
-            <a:r>
-              <a:rPr lang="en-US" sz="3200" b="0" i="0" u="none" strike="noStrike" dirty="0">
-                <a:solidFill>
-                  <a:srgbClr val="000000"/>
-                </a:solidFill>
-                <a:effectLst/>
-                <a:latin typeface="-webkit-standard"/>
-              </a:rPr>
-              <a:t> = predicted Up, actual Down</a:t>
-            </a:r>
-            <a:br>
-              <a:rPr lang="en-US" sz="3200" b="0" i="0" u="none" strike="noStrike" dirty="0">
-                <a:solidFill>
-                  <a:srgbClr val="000000"/>
-                </a:solidFill>
-                <a:effectLst/>
-              </a:rPr>
-            </a:br>
-            <a:r>
-              <a:rPr lang="en-US" sz="3200" b="0" i="0" u="none" strike="noStrike" dirty="0">
-                <a:solidFill>
-                  <a:srgbClr val="000000"/>
-                </a:solidFill>
-                <a:effectLst/>
-              </a:rPr>
-              <a:t>Possible reasons:</a:t>
-            </a:r>
-          </a:p>
-          <a:p>
-            <a:pPr marL="914400" lvl="1" indent="-457200">
-              <a:buFont typeface="Arial" panose="020B0604020202020204" pitchFamily="34" charset="0"/>
-              <a:buChar char="•"/>
-            </a:pPr>
-            <a:r>
-              <a:rPr lang="en-US" sz="3200" b="0" i="0" u="none" strike="noStrike" dirty="0">
-                <a:solidFill>
-                  <a:srgbClr val="000000"/>
-                </a:solidFill>
-                <a:effectLst/>
-              </a:rPr>
-              <a:t>Sudden negative economic news not captured in layoff data</a:t>
-            </a:r>
-          </a:p>
-          <a:p>
-            <a:pPr marL="914400" lvl="1" indent="-457200">
-              <a:buFont typeface="Arial" panose="020B0604020202020204" pitchFamily="34" charset="0"/>
-              <a:buChar char="•"/>
-            </a:pPr>
-            <a:r>
-              <a:rPr lang="en-US" sz="3200" b="0" i="0" u="none" strike="noStrike" dirty="0">
-                <a:solidFill>
-                  <a:srgbClr val="000000"/>
-                </a:solidFill>
-                <a:effectLst/>
-              </a:rPr>
-              <a:t>The model overweighted a specific industry/location</a:t>
-            </a:r>
-          </a:p>
-          <a:p>
-            <a:pPr marL="914400" lvl="1" indent="-457200">
-              <a:buFont typeface="Arial" panose="020B0604020202020204" pitchFamily="34" charset="0"/>
-              <a:buChar char="•"/>
-            </a:pPr>
-            <a:r>
-              <a:rPr lang="en-US" sz="3200" b="0" i="0" u="none" strike="noStrike" dirty="0">
-                <a:solidFill>
-                  <a:srgbClr val="000000"/>
-                </a:solidFill>
-                <a:effectLst/>
-              </a:rPr>
-              <a:t>Market volatility spikes (unexpected events)</a:t>
-            </a:r>
-          </a:p>
-        </p:txBody>
-      </p:sp>
-      <p:sp>
-        <p:nvSpPr>
-          <p:cNvPr id="5" name="TextBox 4">
-            <a:extLst>
-              <a:ext uri="{FF2B5EF4-FFF2-40B4-BE49-F238E27FC236}">
-                <a16:creationId xmlns:a16="http://schemas.microsoft.com/office/drawing/2014/main" id="{C4F32099-EB83-3541-844E-8A22C2A52E44}"/>
-              </a:ext>
-            </a:extLst>
-          </p:cNvPr>
-          <p:cNvSpPr txBox="1"/>
-          <p:nvPr/>
-        </p:nvSpPr>
-        <p:spPr>
-          <a:xfrm>
-            <a:off x="5841421" y="9378496"/>
-            <a:ext cx="3200400" cy="646331"/>
-          </a:xfrm>
-          <a:prstGeom prst="rect">
-            <a:avLst/>
-          </a:prstGeom>
-          <a:noFill/>
-        </p:spPr>
-        <p:txBody>
-          <a:bodyPr wrap="square">
-            <a:spAutoFit/>
-          </a:bodyPr>
-          <a:lstStyle/>
-          <a:p>
-            <a:r>
-              <a:rPr lang="en-US" sz="3600" b="1" i="0" u="none" strike="noStrike" dirty="0">
-                <a:solidFill>
-                  <a:srgbClr val="000000"/>
-                </a:solidFill>
-                <a:effectLst/>
-              </a:rPr>
-              <a:t>87.6% accuracy</a:t>
-            </a:r>
-            <a:endParaRPr lang="en-TW" sz="3600" dirty="0"/>
+              <a:t> = predicted Down, actual Up</a:t>
+            </a:r>
+          </a:p>
+          <a:p>
+            <a:pPr algn="ctr"/>
+            <a:endParaRPr lang="en-TW" sz="2800" dirty="0"/>
           </a:p>
         </p:txBody>
       </p:sp>
     </p:spTree>
-    <p:extLst>
-      <p:ext uri="{BB962C8B-B14F-4D97-AF65-F5344CB8AC3E}">
-        <p14:creationId xmlns:p14="http://schemas.microsoft.com/office/powerpoint/2010/main" val="1668805667"/>
-      </p:ext>
-    </p:extLst>
   </p:cSld>
   <p:clrMapOvr>
     <a:masterClrMapping/>
@@ -4947,7 +4159,7 @@
 </p:sld>
 </file>
 
-<file path=ppt/slides/slide12.xml><?xml version="1.0" encoding="utf-8"?>
+<file path=ppt/slides/slide11.xml><?xml version="1.0" encoding="utf-8"?>
 <p:sld xmlns:a="http://schemas.openxmlformats.org/drawingml/2006/main" xmlns:r="http://schemas.openxmlformats.org/officeDocument/2006/relationships" xmlns:p="http://schemas.openxmlformats.org/presentationml/2006/main">
   <p:cSld>
     <p:spTree>
@@ -5458,7 +4670,7 @@
         </p:blipFill>
         <p:spPr>
           <a:xfrm>
-            <a:off x="1094132" y="3777676"/>
+            <a:off x="1094132" y="4301763"/>
             <a:ext cx="12380447" cy="5794737"/>
           </a:xfrm>
           <a:prstGeom prst="rect">
@@ -5480,7 +4692,7 @@
         </p:nvSpPr>
         <p:spPr>
           <a:xfrm>
-            <a:off x="3981754" y="4106648"/>
+            <a:off x="3981754" y="4630735"/>
             <a:ext cx="2057400" cy="4651664"/>
           </a:xfrm>
           <a:prstGeom prst="ellipse">
@@ -5530,7 +4742,7 @@
         </p:nvSpPr>
         <p:spPr>
           <a:xfrm>
-            <a:off x="8253600" y="4129481"/>
+            <a:off x="8253600" y="4653568"/>
             <a:ext cx="2057400" cy="4651664"/>
           </a:xfrm>
           <a:prstGeom prst="ellipse">
@@ -5580,7 +4792,7 @@
         </p:nvSpPr>
         <p:spPr>
           <a:xfrm>
-            <a:off x="11277600" y="4152900"/>
+            <a:off x="11277600" y="4676987"/>
             <a:ext cx="2057400" cy="4651664"/>
           </a:xfrm>
           <a:prstGeom prst="ellipse">
@@ -5616,6 +4828,71 @@
           </a:p>
         </p:txBody>
       </p:sp>
+      <p:sp>
+        <p:nvSpPr>
+          <p:cNvPr id="2" name="Rectangle 1">
+            <a:extLst>
+              <a:ext uri="{FF2B5EF4-FFF2-40B4-BE49-F238E27FC236}">
+                <a16:creationId xmlns:a16="http://schemas.microsoft.com/office/drawing/2014/main" id="{4C0513CA-961E-6384-8480-E3EFBA5E7B8A}"/>
+              </a:ext>
+            </a:extLst>
+          </p:cNvPr>
+          <p:cNvSpPr/>
+          <p:nvPr/>
+        </p:nvSpPr>
+        <p:spPr>
+          <a:xfrm>
+            <a:off x="11169120" y="3269810"/>
+            <a:ext cx="6081795" cy="1219565"/>
+          </a:xfrm>
+          <a:prstGeom prst="rect">
+            <a:avLst/>
+          </a:prstGeom>
+        </p:spPr>
+        <p:style>
+          <a:lnRef idx="2">
+            <a:schemeClr val="accent6"/>
+          </a:lnRef>
+          <a:fillRef idx="1">
+            <a:schemeClr val="lt1"/>
+          </a:fillRef>
+          <a:effectRef idx="0">
+            <a:schemeClr val="accent6"/>
+          </a:effectRef>
+          <a:fontRef idx="minor">
+            <a:schemeClr val="dk1"/>
+          </a:fontRef>
+        </p:style>
+        <p:txBody>
+          <a:bodyPr rtlCol="0" anchor="ctr"/>
+          <a:lstStyle/>
+          <a:p>
+            <a:pPr algn="ctr"/>
+            <a:r>
+              <a:rPr lang="en-US" sz="2800" b="1" i="0" u="none" strike="noStrike" dirty="0">
+                <a:solidFill>
+                  <a:srgbClr val="000000"/>
+                </a:solidFill>
+                <a:effectLst/>
+              </a:rPr>
+              <a:t>False Negatives (FN)</a:t>
+            </a:r>
+            <a:r>
+              <a:rPr lang="en-US" sz="2800" b="0" i="0" u="none" strike="noStrike" dirty="0">
+                <a:solidFill>
+                  <a:srgbClr val="000000"/>
+                </a:solidFill>
+                <a:effectLst/>
+              </a:rPr>
+              <a:t> = predicted Down, actual Up</a:t>
+            </a:r>
+          </a:p>
+          <a:p>
+            <a:pPr algn="ctr"/>
+            <a:endParaRPr lang="en-TW" sz="2800" dirty="0"/>
+          </a:p>
+        </p:txBody>
+      </p:sp>
     </p:spTree>
   </p:cSld>
   <p:clrMapOvr>
@@ -5624,7 +4901,7 @@
 </p:sld>
 </file>
 
-<file path=ppt/slides/slide13.xml><?xml version="1.0" encoding="utf-8"?>
+<file path=ppt/slides/slide12.xml><?xml version="1.0" encoding="utf-8"?>
 <p:sld xmlns:a="http://schemas.openxmlformats.org/drawingml/2006/main" xmlns:r="http://schemas.openxmlformats.org/officeDocument/2006/relationships" xmlns:p="http://schemas.openxmlformats.org/presentationml/2006/main">
   <p:cSld>
     <p:spTree>
@@ -5649,7 +4926,7 @@
         </p:nvSpPr>
         <p:spPr>
           <a:xfrm>
-            <a:off x="89678" y="484490"/>
+            <a:off x="678257" y="484490"/>
             <a:ext cx="17588722" cy="2417008"/>
           </a:xfrm>
           <a:prstGeom prst="rect">
@@ -6311,6 +5588,706 @@
 </p:sld>
 </file>
 
+<file path=ppt/slides/slide13.xml><?xml version="1.0" encoding="utf-8"?>
+<p:sld xmlns:a="http://schemas.openxmlformats.org/drawingml/2006/main" xmlns:r="http://schemas.openxmlformats.org/officeDocument/2006/relationships" xmlns:p="http://schemas.openxmlformats.org/presentationml/2006/main">
+  <p:cSld>
+    <p:spTree>
+      <p:nvGrpSpPr>
+        <p:cNvPr id="1" name=""/>
+        <p:cNvGrpSpPr/>
+        <p:nvPr/>
+      </p:nvGrpSpPr>
+      <p:grpSpPr>
+        <a:xfrm>
+          <a:off x="0" y="0"/>
+          <a:ext cx="0" cy="0"/>
+          <a:chOff x="0" y="0"/>
+          <a:chExt cx="0" cy="0"/>
+        </a:xfrm>
+      </p:grpSpPr>
+      <p:pic>
+        <p:nvPicPr>
+          <p:cNvPr id="2" name="Picture 1" descr="A diagram of a confusion matrix&#10;&#10;Description automatically generated">
+            <a:extLst>
+              <a:ext uri="{FF2B5EF4-FFF2-40B4-BE49-F238E27FC236}">
+                <a16:creationId xmlns:a16="http://schemas.microsoft.com/office/drawing/2014/main" id="{7EAD356B-082C-E5B2-900F-69DA6B4F512D}"/>
+              </a:ext>
+            </a:extLst>
+          </p:cNvPr>
+          <p:cNvPicPr>
+            <a:picLocks noChangeAspect="1"/>
+          </p:cNvPicPr>
+          <p:nvPr/>
+        </p:nvPicPr>
+        <p:blipFill>
+          <a:blip r:embed="rId2">
+            <a:extLst>
+              <a:ext uri="{28A0092B-C50C-407E-A947-70E740481C1C}">
+                <a14:useLocalDpi xmlns:a14="http://schemas.microsoft.com/office/drawing/2010/main" val="0"/>
+              </a:ext>
+            </a:extLst>
+          </a:blip>
+          <a:stretch>
+            <a:fillRect/>
+          </a:stretch>
+        </p:blipFill>
+        <p:spPr>
+          <a:xfrm>
+            <a:off x="9585326" y="1901250"/>
+            <a:ext cx="7914984" cy="7069273"/>
+          </a:xfrm>
+          <a:prstGeom prst="rect">
+            <a:avLst/>
+          </a:prstGeom>
+        </p:spPr>
+      </p:pic>
+      <p:sp>
+        <p:nvSpPr>
+          <p:cNvPr id="8" name="TextBox 8"/>
+          <p:cNvSpPr txBox="1"/>
+          <p:nvPr/>
+        </p:nvSpPr>
+        <p:spPr>
+          <a:xfrm>
+            <a:off x="561109" y="357322"/>
+            <a:ext cx="17726891" cy="1211485"/>
+          </a:xfrm>
+          <a:prstGeom prst="rect">
+            <a:avLst/>
+          </a:prstGeom>
+        </p:spPr>
+        <p:txBody>
+          <a:bodyPr wrap="square" lIns="0" tIns="0" rIns="0" bIns="0" rtlCol="0" anchor="t">
+            <a:spAutoFit/>
+          </a:bodyPr>
+          <a:lstStyle/>
+          <a:p>
+            <a:pPr marL="0" lvl="0" indent="0" algn="l">
+              <a:lnSpc>
+                <a:spcPts val="9799"/>
+              </a:lnSpc>
+            </a:pPr>
+            <a:r>
+              <a:rPr lang="en-US" sz="7200" b="1" spc="-150" dirty="0">
+                <a:solidFill>
+                  <a:srgbClr val="171717"/>
+                </a:solidFill>
+                <a:latin typeface="Agrandir Bold"/>
+                <a:sym typeface="Agrandir Bold"/>
+              </a:rPr>
+              <a:t>Model error</a:t>
+            </a:r>
+          </a:p>
+        </p:txBody>
+      </p:sp>
+      <p:sp>
+        <p:nvSpPr>
+          <p:cNvPr id="33" name="TextBox 32">
+            <a:extLst>
+              <a:ext uri="{FF2B5EF4-FFF2-40B4-BE49-F238E27FC236}">
+                <a16:creationId xmlns:a16="http://schemas.microsoft.com/office/drawing/2014/main" id="{EEA86D09-0219-27D1-1620-D55C4C135734}"/>
+              </a:ext>
+            </a:extLst>
+          </p:cNvPr>
+          <p:cNvSpPr txBox="1"/>
+          <p:nvPr/>
+        </p:nvSpPr>
+        <p:spPr>
+          <a:xfrm>
+            <a:off x="10058400" y="4272440"/>
+            <a:ext cx="3484418" cy="584775"/>
+          </a:xfrm>
+          <a:prstGeom prst="rect">
+            <a:avLst/>
+          </a:prstGeom>
+          <a:noFill/>
+        </p:spPr>
+        <p:txBody>
+          <a:bodyPr wrap="square">
+            <a:spAutoFit/>
+          </a:bodyPr>
+          <a:lstStyle/>
+          <a:p>
+            <a:r>
+              <a:rPr lang="en-US" sz="3200" b="0" i="0" u="none" strike="noStrike" dirty="0">
+                <a:solidFill>
+                  <a:srgbClr val="000000"/>
+                </a:solidFill>
+                <a:effectLst/>
+                <a:highlight>
+                  <a:srgbClr val="FFFF00"/>
+                </a:highlight>
+                <a:latin typeface="-webkit-standard"/>
+              </a:rPr>
+              <a:t>True Negatives (TN) </a:t>
+            </a:r>
+            <a:endParaRPr lang="en-TW" sz="3200" dirty="0">
+              <a:highlight>
+                <a:srgbClr val="FFFF00"/>
+              </a:highlight>
+            </a:endParaRPr>
+          </a:p>
+        </p:txBody>
+      </p:sp>
+      <p:sp>
+        <p:nvSpPr>
+          <p:cNvPr id="36" name="TextBox 35">
+            <a:extLst>
+              <a:ext uri="{FF2B5EF4-FFF2-40B4-BE49-F238E27FC236}">
+                <a16:creationId xmlns:a16="http://schemas.microsoft.com/office/drawing/2014/main" id="{58DA56AC-5C7A-9A69-803C-7E574429D3D4}"/>
+              </a:ext>
+            </a:extLst>
+          </p:cNvPr>
+          <p:cNvSpPr txBox="1"/>
+          <p:nvPr/>
+        </p:nvSpPr>
+        <p:spPr>
+          <a:xfrm>
+            <a:off x="13691753" y="6997987"/>
+            <a:ext cx="3484418" cy="584775"/>
+          </a:xfrm>
+          <a:prstGeom prst="rect">
+            <a:avLst/>
+          </a:prstGeom>
+          <a:noFill/>
+        </p:spPr>
+        <p:txBody>
+          <a:bodyPr wrap="square">
+            <a:spAutoFit/>
+          </a:bodyPr>
+          <a:lstStyle/>
+          <a:p>
+            <a:r>
+              <a:rPr lang="en-US" sz="3200" b="0" i="0" u="none" strike="noStrike" dirty="0">
+                <a:solidFill>
+                  <a:srgbClr val="000000"/>
+                </a:solidFill>
+                <a:effectLst/>
+                <a:highlight>
+                  <a:srgbClr val="FFFF00"/>
+                </a:highlight>
+                <a:latin typeface="-webkit-standard"/>
+              </a:rPr>
+              <a:t>True Positives (TP)</a:t>
+            </a:r>
+            <a:endParaRPr lang="en-TW" sz="3200" dirty="0">
+              <a:highlight>
+                <a:srgbClr val="FFFF00"/>
+              </a:highlight>
+            </a:endParaRPr>
+          </a:p>
+        </p:txBody>
+      </p:sp>
+      <p:sp>
+        <p:nvSpPr>
+          <p:cNvPr id="38" name="TextBox 37">
+            <a:extLst>
+              <a:ext uri="{FF2B5EF4-FFF2-40B4-BE49-F238E27FC236}">
+                <a16:creationId xmlns:a16="http://schemas.microsoft.com/office/drawing/2014/main" id="{0232E337-19E9-68B3-9174-31F596AD59CF}"/>
+              </a:ext>
+            </a:extLst>
+          </p:cNvPr>
+          <p:cNvSpPr txBox="1"/>
+          <p:nvPr/>
+        </p:nvSpPr>
+        <p:spPr>
+          <a:xfrm>
+            <a:off x="13563839" y="2958525"/>
+            <a:ext cx="3484418" cy="584775"/>
+          </a:xfrm>
+          <a:prstGeom prst="rect">
+            <a:avLst/>
+          </a:prstGeom>
+          <a:noFill/>
+        </p:spPr>
+        <p:txBody>
+          <a:bodyPr wrap="square">
+            <a:spAutoFit/>
+          </a:bodyPr>
+          <a:lstStyle/>
+          <a:p>
+            <a:r>
+              <a:rPr lang="en-US" sz="3200" b="1" i="0" u="none" strike="noStrike" dirty="0">
+                <a:solidFill>
+                  <a:srgbClr val="000000"/>
+                </a:solidFill>
+                <a:effectLst/>
+                <a:highlight>
+                  <a:srgbClr val="00FF00"/>
+                </a:highlight>
+              </a:rPr>
+              <a:t>False Positives (FP)</a:t>
+            </a:r>
+            <a:r>
+              <a:rPr lang="en-US" sz="3200" b="0" i="0" u="none" strike="noStrike" dirty="0">
+                <a:solidFill>
+                  <a:srgbClr val="000000"/>
+                </a:solidFill>
+                <a:effectLst/>
+                <a:highlight>
+                  <a:srgbClr val="00FF00"/>
+                </a:highlight>
+                <a:latin typeface="-webkit-standard"/>
+              </a:rPr>
+              <a:t> </a:t>
+            </a:r>
+            <a:endParaRPr lang="en-TW" sz="3200" dirty="0">
+              <a:highlight>
+                <a:srgbClr val="00FF00"/>
+              </a:highlight>
+            </a:endParaRPr>
+          </a:p>
+        </p:txBody>
+      </p:sp>
+      <p:sp>
+        <p:nvSpPr>
+          <p:cNvPr id="40" name="TextBox 39">
+            <a:extLst>
+              <a:ext uri="{FF2B5EF4-FFF2-40B4-BE49-F238E27FC236}">
+                <a16:creationId xmlns:a16="http://schemas.microsoft.com/office/drawing/2014/main" id="{3DE0F289-6812-AD1F-14EA-DD91F76754BB}"/>
+              </a:ext>
+            </a:extLst>
+          </p:cNvPr>
+          <p:cNvSpPr txBox="1"/>
+          <p:nvPr/>
+        </p:nvSpPr>
+        <p:spPr>
+          <a:xfrm>
+            <a:off x="9649401" y="7290375"/>
+            <a:ext cx="3718214" cy="584775"/>
+          </a:xfrm>
+          <a:prstGeom prst="rect">
+            <a:avLst/>
+          </a:prstGeom>
+          <a:noFill/>
+        </p:spPr>
+        <p:txBody>
+          <a:bodyPr wrap="square">
+            <a:spAutoFit/>
+          </a:bodyPr>
+          <a:lstStyle/>
+          <a:p>
+            <a:r>
+              <a:rPr lang="en-US" sz="3200" b="0" i="0" u="none" strike="noStrike" dirty="0">
+                <a:solidFill>
+                  <a:srgbClr val="000000"/>
+                </a:solidFill>
+                <a:effectLst/>
+                <a:highlight>
+                  <a:srgbClr val="00FF00"/>
+                </a:highlight>
+                <a:latin typeface="-webkit-standard"/>
+              </a:rPr>
+              <a:t>False Negatives (FN)</a:t>
+            </a:r>
+            <a:endParaRPr lang="en-TW" sz="3200" dirty="0">
+              <a:highlight>
+                <a:srgbClr val="00FF00"/>
+              </a:highlight>
+            </a:endParaRPr>
+          </a:p>
+        </p:txBody>
+      </p:sp>
+      <p:sp>
+        <p:nvSpPr>
+          <p:cNvPr id="44" name="TextBox 43">
+            <a:extLst>
+              <a:ext uri="{FF2B5EF4-FFF2-40B4-BE49-F238E27FC236}">
+                <a16:creationId xmlns:a16="http://schemas.microsoft.com/office/drawing/2014/main" id="{AFB3221C-EB34-FA95-1D56-F48017756287}"/>
+              </a:ext>
+            </a:extLst>
+          </p:cNvPr>
+          <p:cNvSpPr txBox="1"/>
+          <p:nvPr/>
+        </p:nvSpPr>
+        <p:spPr>
+          <a:xfrm>
+            <a:off x="216476" y="6349726"/>
+            <a:ext cx="8839200" cy="2677656"/>
+          </a:xfrm>
+          <a:prstGeom prst="rect">
+            <a:avLst/>
+          </a:prstGeom>
+        </p:spPr>
+        <p:style>
+          <a:lnRef idx="2">
+            <a:schemeClr val="accent2"/>
+          </a:lnRef>
+          <a:fillRef idx="1">
+            <a:schemeClr val="lt1"/>
+          </a:fillRef>
+          <a:effectRef idx="0">
+            <a:schemeClr val="accent2"/>
+          </a:effectRef>
+          <a:fontRef idx="minor">
+            <a:schemeClr val="dk1"/>
+          </a:fontRef>
+        </p:style>
+        <p:txBody>
+          <a:bodyPr wrap="square">
+            <a:spAutoFit/>
+          </a:bodyPr>
+          <a:lstStyle/>
+          <a:p>
+            <a:pPr algn="l"/>
+            <a:r>
+              <a:rPr lang="en-US" sz="2800" b="1" i="0" u="none" strike="noStrike" dirty="0">
+                <a:solidFill>
+                  <a:srgbClr val="000000"/>
+                </a:solidFill>
+                <a:effectLst/>
+              </a:rPr>
+              <a:t>False Negatives (FN)</a:t>
+            </a:r>
+          </a:p>
+          <a:p>
+            <a:pPr algn="l"/>
+            <a:r>
+              <a:rPr lang="en-US" sz="2800" b="0" i="1" u="none" strike="noStrike" dirty="0">
+                <a:solidFill>
+                  <a:srgbClr val="000000"/>
+                </a:solidFill>
+                <a:effectLst/>
+              </a:rPr>
+              <a:t>Model predicted Down when the market went Up.</a:t>
+            </a:r>
+            <a:endParaRPr lang="en-US" sz="2800" b="0" i="0" u="none" strike="noStrike" dirty="0">
+              <a:solidFill>
+                <a:srgbClr val="000000"/>
+              </a:solidFill>
+              <a:effectLst/>
+            </a:endParaRPr>
+          </a:p>
+          <a:p>
+            <a:pPr algn="l"/>
+            <a:r>
+              <a:rPr lang="en-US" sz="2800" b="0" i="0" u="none" strike="noStrike" dirty="0">
+                <a:solidFill>
+                  <a:srgbClr val="000000"/>
+                </a:solidFill>
+                <a:effectLst/>
+              </a:rPr>
+              <a:t>Possible reasons:</a:t>
+            </a:r>
+          </a:p>
+          <a:p>
+            <a:pPr algn="l">
+              <a:buFont typeface="Arial" panose="020B0604020202020204" pitchFamily="34" charset="0"/>
+              <a:buChar char="•"/>
+            </a:pPr>
+            <a:r>
+              <a:rPr lang="en-US" sz="2800" b="0" i="0" u="none" strike="noStrike" dirty="0">
+                <a:solidFill>
+                  <a:srgbClr val="000000"/>
+                </a:solidFill>
+                <a:effectLst/>
+              </a:rPr>
+              <a:t>Market recovered due to positive news unrelated to layoffs</a:t>
+            </a:r>
+          </a:p>
+          <a:p>
+            <a:pPr algn="l">
+              <a:buFont typeface="Arial" panose="020B0604020202020204" pitchFamily="34" charset="0"/>
+              <a:buChar char="•"/>
+            </a:pPr>
+            <a:r>
+              <a:rPr lang="en-US" sz="2800" b="0" i="0" u="none" strike="noStrike" dirty="0">
+                <a:solidFill>
+                  <a:srgbClr val="000000"/>
+                </a:solidFill>
+                <a:effectLst/>
+              </a:rPr>
+              <a:t>Limited representation of rare market behavior</a:t>
+            </a:r>
+          </a:p>
+          <a:p>
+            <a:pPr algn="l">
+              <a:buFont typeface="Arial" panose="020B0604020202020204" pitchFamily="34" charset="0"/>
+              <a:buChar char="•"/>
+            </a:pPr>
+            <a:r>
+              <a:rPr lang="en-US" sz="2800" b="0" i="0" u="none" strike="noStrike" dirty="0">
+                <a:solidFill>
+                  <a:srgbClr val="000000"/>
+                </a:solidFill>
+                <a:effectLst/>
+              </a:rPr>
+              <a:t>Decision Tree oversimplifying complex market patterns</a:t>
+            </a:r>
+          </a:p>
+        </p:txBody>
+      </p:sp>
+      <p:sp>
+        <p:nvSpPr>
+          <p:cNvPr id="3" name="TextBox 2">
+            <a:extLst>
+              <a:ext uri="{FF2B5EF4-FFF2-40B4-BE49-F238E27FC236}">
+                <a16:creationId xmlns:a16="http://schemas.microsoft.com/office/drawing/2014/main" id="{0207C101-EC53-F0AF-5EEA-4FBE07EECD91}"/>
+              </a:ext>
+            </a:extLst>
+          </p:cNvPr>
+          <p:cNvSpPr txBox="1"/>
+          <p:nvPr/>
+        </p:nvSpPr>
+        <p:spPr>
+          <a:xfrm>
+            <a:off x="228600" y="2476500"/>
+            <a:ext cx="8763001" cy="3539430"/>
+          </a:xfrm>
+          <a:prstGeom prst="rect">
+            <a:avLst/>
+          </a:prstGeom>
+        </p:spPr>
+        <p:style>
+          <a:lnRef idx="2">
+            <a:schemeClr val="accent2"/>
+          </a:lnRef>
+          <a:fillRef idx="1">
+            <a:schemeClr val="lt1"/>
+          </a:fillRef>
+          <a:effectRef idx="0">
+            <a:schemeClr val="accent2"/>
+          </a:effectRef>
+          <a:fontRef idx="minor">
+            <a:schemeClr val="dk1"/>
+          </a:fontRef>
+        </p:style>
+        <p:txBody>
+          <a:bodyPr wrap="square">
+            <a:spAutoFit/>
+          </a:bodyPr>
+          <a:lstStyle/>
+          <a:p>
+            <a:r>
+              <a:rPr lang="en-US" sz="3200" b="1" i="0" u="none" strike="noStrike" dirty="0">
+                <a:solidFill>
+                  <a:srgbClr val="000000"/>
+                </a:solidFill>
+                <a:effectLst/>
+              </a:rPr>
+              <a:t>False Positives (FP)</a:t>
+            </a:r>
+            <a:r>
+              <a:rPr lang="en-US" sz="3200" b="0" i="0" u="none" strike="noStrike" dirty="0">
+                <a:solidFill>
+                  <a:srgbClr val="000000"/>
+                </a:solidFill>
+                <a:effectLst/>
+                <a:latin typeface="-webkit-standard"/>
+              </a:rPr>
+              <a:t> = predicted Up, actual Down</a:t>
+            </a:r>
+            <a:br>
+              <a:rPr lang="en-US" sz="3200" b="0" i="0" u="none" strike="noStrike" dirty="0">
+                <a:solidFill>
+                  <a:srgbClr val="000000"/>
+                </a:solidFill>
+                <a:effectLst/>
+              </a:rPr>
+            </a:br>
+            <a:r>
+              <a:rPr lang="en-US" sz="3200" b="0" i="0" u="none" strike="noStrike" dirty="0">
+                <a:solidFill>
+                  <a:srgbClr val="000000"/>
+                </a:solidFill>
+                <a:effectLst/>
+              </a:rPr>
+              <a:t>Possible reasons:</a:t>
+            </a:r>
+          </a:p>
+          <a:p>
+            <a:pPr marL="914400" lvl="1" indent="-457200">
+              <a:buFont typeface="Arial" panose="020B0604020202020204" pitchFamily="34" charset="0"/>
+              <a:buChar char="•"/>
+            </a:pPr>
+            <a:r>
+              <a:rPr lang="en-US" sz="3200" b="0" i="0" u="none" strike="noStrike" dirty="0">
+                <a:solidFill>
+                  <a:srgbClr val="000000"/>
+                </a:solidFill>
+                <a:effectLst/>
+              </a:rPr>
+              <a:t>Sudden negative economic news not captured in layoff data</a:t>
+            </a:r>
+          </a:p>
+          <a:p>
+            <a:pPr marL="914400" lvl="1" indent="-457200">
+              <a:buFont typeface="Arial" panose="020B0604020202020204" pitchFamily="34" charset="0"/>
+              <a:buChar char="•"/>
+            </a:pPr>
+            <a:r>
+              <a:rPr lang="en-US" sz="3200" b="0" i="0" u="none" strike="noStrike" dirty="0">
+                <a:solidFill>
+                  <a:srgbClr val="000000"/>
+                </a:solidFill>
+                <a:effectLst/>
+              </a:rPr>
+              <a:t>The model overweighted a specific industry/location</a:t>
+            </a:r>
+          </a:p>
+          <a:p>
+            <a:pPr marL="914400" lvl="1" indent="-457200">
+              <a:buFont typeface="Arial" panose="020B0604020202020204" pitchFamily="34" charset="0"/>
+              <a:buChar char="•"/>
+            </a:pPr>
+            <a:r>
+              <a:rPr lang="en-US" sz="3200" b="0" i="0" u="none" strike="noStrike" dirty="0">
+                <a:solidFill>
+                  <a:srgbClr val="000000"/>
+                </a:solidFill>
+                <a:effectLst/>
+              </a:rPr>
+              <a:t>Market volatility spikes (unexpected events)</a:t>
+            </a:r>
+          </a:p>
+        </p:txBody>
+      </p:sp>
+      <p:sp>
+        <p:nvSpPr>
+          <p:cNvPr id="4" name="TextBox 3">
+            <a:extLst>
+              <a:ext uri="{FF2B5EF4-FFF2-40B4-BE49-F238E27FC236}">
+                <a16:creationId xmlns:a16="http://schemas.microsoft.com/office/drawing/2014/main" id="{B8DA9D51-9E51-E2A8-E1D7-7ED7092C7E09}"/>
+              </a:ext>
+            </a:extLst>
+          </p:cNvPr>
+          <p:cNvSpPr txBox="1"/>
+          <p:nvPr/>
+        </p:nvSpPr>
+        <p:spPr>
+          <a:xfrm>
+            <a:off x="10378307" y="5744195"/>
+            <a:ext cx="2924466" cy="646331"/>
+          </a:xfrm>
+          <a:prstGeom prst="rect">
+            <a:avLst/>
+          </a:prstGeom>
+          <a:noFill/>
+        </p:spPr>
+        <p:txBody>
+          <a:bodyPr wrap="square">
+            <a:spAutoFit/>
+          </a:bodyPr>
+          <a:lstStyle/>
+          <a:p>
+            <a:r>
+              <a:rPr lang="en-US" sz="3600" b="1" spc="-150" dirty="0">
+                <a:solidFill>
+                  <a:srgbClr val="FF0000"/>
+                </a:solidFill>
+                <a:latin typeface="Agrandir Bold"/>
+                <a:sym typeface="Agrandir Bold"/>
+              </a:rPr>
+              <a:t>Model error </a:t>
+            </a:r>
+            <a:endParaRPr lang="en-TW" sz="3600" dirty="0">
+              <a:solidFill>
+                <a:srgbClr val="FF0000"/>
+              </a:solidFill>
+            </a:endParaRPr>
+          </a:p>
+        </p:txBody>
+      </p:sp>
+      <p:sp>
+        <p:nvSpPr>
+          <p:cNvPr id="6" name="TextBox 5">
+            <a:extLst>
+              <a:ext uri="{FF2B5EF4-FFF2-40B4-BE49-F238E27FC236}">
+                <a16:creationId xmlns:a16="http://schemas.microsoft.com/office/drawing/2014/main" id="{E77C73A5-847F-A697-8042-FAB8C2FFB5C6}"/>
+              </a:ext>
+            </a:extLst>
+          </p:cNvPr>
+          <p:cNvSpPr txBox="1"/>
+          <p:nvPr/>
+        </p:nvSpPr>
+        <p:spPr>
+          <a:xfrm>
+            <a:off x="13542818" y="3954244"/>
+            <a:ext cx="2924466" cy="646331"/>
+          </a:xfrm>
+          <a:prstGeom prst="rect">
+            <a:avLst/>
+          </a:prstGeom>
+          <a:noFill/>
+        </p:spPr>
+        <p:txBody>
+          <a:bodyPr wrap="square">
+            <a:spAutoFit/>
+          </a:bodyPr>
+          <a:lstStyle/>
+          <a:p>
+            <a:r>
+              <a:rPr lang="en-US" sz="3600" b="1" spc="-150" dirty="0">
+                <a:solidFill>
+                  <a:srgbClr val="FF0000"/>
+                </a:solidFill>
+                <a:latin typeface="Agrandir Bold"/>
+                <a:sym typeface="Agrandir Bold"/>
+              </a:rPr>
+              <a:t>Model error </a:t>
+            </a:r>
+            <a:endParaRPr lang="en-TW" sz="3600" dirty="0">
+              <a:solidFill>
+                <a:srgbClr val="FF0000"/>
+              </a:solidFill>
+            </a:endParaRPr>
+          </a:p>
+        </p:txBody>
+      </p:sp>
+      <p:sp>
+        <p:nvSpPr>
+          <p:cNvPr id="7" name="TextBox 6">
+            <a:extLst>
+              <a:ext uri="{FF2B5EF4-FFF2-40B4-BE49-F238E27FC236}">
+                <a16:creationId xmlns:a16="http://schemas.microsoft.com/office/drawing/2014/main" id="{D913AFD8-4201-721F-1169-1BDC6FF7235F}"/>
+              </a:ext>
+            </a:extLst>
+          </p:cNvPr>
+          <p:cNvSpPr txBox="1"/>
+          <p:nvPr/>
+        </p:nvSpPr>
+        <p:spPr>
+          <a:xfrm>
+            <a:off x="11201400" y="9050218"/>
+            <a:ext cx="9258300" cy="646331"/>
+          </a:xfrm>
+          <a:prstGeom prst="rect">
+            <a:avLst/>
+          </a:prstGeom>
+          <a:noFill/>
+        </p:spPr>
+        <p:txBody>
+          <a:bodyPr wrap="square">
+            <a:spAutoFit/>
+          </a:bodyPr>
+          <a:lstStyle/>
+          <a:p>
+            <a:r>
+              <a:rPr lang="en-US" sz="3600" b="1" i="0" u="none" strike="noStrike" dirty="0">
+                <a:solidFill>
+                  <a:srgbClr val="000000"/>
+                </a:solidFill>
+                <a:effectLst/>
+              </a:rPr>
+              <a:t>88.89% accuracy</a:t>
+            </a:r>
+            <a:endParaRPr lang="en-TW" sz="3600" dirty="0"/>
+          </a:p>
+        </p:txBody>
+      </p:sp>
+    </p:spTree>
+    <p:extLst>
+      <p:ext uri="{BB962C8B-B14F-4D97-AF65-F5344CB8AC3E}">
+        <p14:creationId xmlns:p14="http://schemas.microsoft.com/office/powerpoint/2010/main" val="1668805667"/>
+      </p:ext>
+    </p:extLst>
+  </p:cSld>
+  <p:clrMapOvr>
+    <a:masterClrMapping/>
+  </p:clrMapOvr>
+</p:sld>
+</file>
+
 <file path=ppt/slides/slide14.xml><?xml version="1.0" encoding="utf-8"?>
 <p:sld xmlns:a="http://schemas.openxmlformats.org/drawingml/2006/main" xmlns:r="http://schemas.openxmlformats.org/officeDocument/2006/relationships" xmlns:p="http://schemas.openxmlformats.org/presentationml/2006/main">
   <p:cSld>
@@ -6330,10 +6307,10 @@
       </p:grpSpPr>
       <p:sp>
         <p:nvSpPr>
-          <p:cNvPr id="2" name="TextBox 8">
+          <p:cNvPr id="3" name="TextBox 8">
             <a:extLst>
               <a:ext uri="{FF2B5EF4-FFF2-40B4-BE49-F238E27FC236}">
-                <a16:creationId xmlns:a16="http://schemas.microsoft.com/office/drawing/2014/main" id="{4D57C1C4-EE9E-1A0B-BFAB-AD244FB19D7D}"/>
+                <a16:creationId xmlns:a16="http://schemas.microsoft.com/office/drawing/2014/main" id="{BCC39F87-891C-2C37-B218-8A191280CC8B}"/>
               </a:ext>
             </a:extLst>
           </p:cNvPr>
@@ -6342,8 +6319,8 @@
         </p:nvSpPr>
         <p:spPr>
           <a:xfrm>
-            <a:off x="408709" y="342900"/>
-            <a:ext cx="17879291" cy="2476319"/>
+            <a:off x="561109" y="357322"/>
+            <a:ext cx="17726891" cy="1211485"/>
           </a:xfrm>
           <a:prstGeom prst="rect">
             <a:avLst/>
@@ -6366,107 +6343,19 @@
                   <a:srgbClr val="171717"/>
                 </a:solidFill>
                 <a:latin typeface="Agrandir Bold"/>
-              </a:rPr>
-              <a:t>Accuracy: </a:t>
-            </a:r>
-            <a:br>
-              <a:rPr lang="en-US" sz="7200" b="1" spc="-150" dirty="0">
-                <a:solidFill>
-                  <a:srgbClr val="171717"/>
-                </a:solidFill>
-                <a:latin typeface="Agrandir Bold"/>
-              </a:rPr>
-            </a:br>
-            <a:r>
-              <a:rPr lang="en-US" sz="7200" b="1" spc="-150" dirty="0">
-                <a:solidFill>
-                  <a:srgbClr val="171717"/>
-                </a:solidFill>
-                <a:latin typeface="Agrandir Bold"/>
-              </a:rPr>
-              <a:t>Dow Jones Industrial Average increased</a:t>
-            </a:r>
-            <a:endParaRPr lang="en-US" sz="7200" b="1" spc="-150" dirty="0">
-              <a:solidFill>
-                <a:srgbClr val="171717"/>
-              </a:solidFill>
-              <a:latin typeface="Agrandir Bold"/>
-              <a:sym typeface="Agrandir Bold"/>
-            </a:endParaRPr>
-          </a:p>
-        </p:txBody>
-      </p:sp>
-      <p:sp>
-        <p:nvSpPr>
-          <p:cNvPr id="3" name="Freeform 15">
+                <a:sym typeface="Agrandir Bold"/>
+              </a:rPr>
+              <a:t>Best Model </a:t>
+            </a:r>
+          </a:p>
+        </p:txBody>
+      </p:sp>
+      <p:sp>
+        <p:nvSpPr>
+          <p:cNvPr id="5" name="TextBox 4">
             <a:extLst>
               <a:ext uri="{FF2B5EF4-FFF2-40B4-BE49-F238E27FC236}">
-                <a16:creationId xmlns:a16="http://schemas.microsoft.com/office/drawing/2014/main" id="{C9484213-A31D-D05A-08C9-2DD3FE918496}"/>
-              </a:ext>
-            </a:extLst>
-          </p:cNvPr>
-          <p:cNvSpPr/>
-          <p:nvPr/>
-        </p:nvSpPr>
-        <p:spPr>
-          <a:xfrm rot="1971934">
-            <a:off x="14154289" y="7122562"/>
-            <a:ext cx="3251301" cy="2480775"/>
-          </a:xfrm>
-          <a:custGeom>
-            <a:avLst/>
-            <a:gdLst/>
-            <a:ahLst/>
-            <a:cxnLst/>
-            <a:rect l="l" t="t" r="r" b="b"/>
-            <a:pathLst>
-              <a:path w="2950826" h="2961595">
-                <a:moveTo>
-                  <a:pt x="0" y="0"/>
-                </a:moveTo>
-                <a:lnTo>
-                  <a:pt x="2950826" y="0"/>
-                </a:lnTo>
-                <a:lnTo>
-                  <a:pt x="2950826" y="2961595"/>
-                </a:lnTo>
-                <a:lnTo>
-                  <a:pt x="0" y="2961595"/>
-                </a:lnTo>
-                <a:lnTo>
-                  <a:pt x="0" y="0"/>
-                </a:lnTo>
-                <a:close/>
-              </a:path>
-            </a:pathLst>
-          </a:custGeom>
-          <a:blipFill>
-            <a:blip r:embed="rId2">
-              <a:extLst>
-                <a:ext uri="{96DAC541-7B7A-43D3-8B79-37D633B846F1}">
-                  <asvg:svgBlip xmlns:asvg="http://schemas.microsoft.com/office/drawing/2016/SVG/main" r:embed="rId3"/>
-                </a:ext>
-              </a:extLst>
-            </a:blip>
-            <a:stretch>
-              <a:fillRect/>
-            </a:stretch>
-          </a:blipFill>
-        </p:spPr>
-        <p:txBody>
-          <a:bodyPr/>
-          <a:lstStyle/>
-          <a:p>
-            <a:endParaRPr lang="en-TW"/>
-          </a:p>
-        </p:txBody>
-      </p:sp>
-      <p:sp>
-        <p:nvSpPr>
-          <p:cNvPr id="6" name="TextBox 5">
-            <a:extLst>
-              <a:ext uri="{FF2B5EF4-FFF2-40B4-BE49-F238E27FC236}">
-                <a16:creationId xmlns:a16="http://schemas.microsoft.com/office/drawing/2014/main" id="{02FB2311-6E68-5F8F-2FB6-3E82DE390034}"/>
+                <a16:creationId xmlns:a16="http://schemas.microsoft.com/office/drawing/2014/main" id="{B3EDC0C3-7DD0-1C1B-BECE-ACC677E2484E}"/>
               </a:ext>
             </a:extLst>
           </p:cNvPr>
@@ -6475,8 +6364,8 @@
         </p:nvSpPr>
         <p:spPr>
           <a:xfrm>
-            <a:off x="408709" y="3059399"/>
-            <a:ext cx="12926292" cy="1569660"/>
+            <a:off x="7924800" y="357322"/>
+            <a:ext cx="9268692" cy="1754326"/>
           </a:xfrm>
           <a:prstGeom prst="rect">
             <a:avLst/>
@@ -6489,224 +6378,94 @@
           </a:bodyPr>
           <a:lstStyle/>
           <a:p>
-            <a:pPr marL="457200" indent="-457200">
+            <a:pPr marL="285750" indent="-285750">
               <a:buFont typeface="Arial" panose="020B0604020202020204" pitchFamily="34" charset="0"/>
               <a:buChar char="•"/>
             </a:pPr>
             <a:r>
-              <a:rPr lang="en-US" sz="3200" dirty="0">
-                <a:solidFill>
-                  <a:srgbClr val="000000"/>
-                </a:solidFill>
-                <a:latin typeface="-webkit-standard"/>
-                <a:ea typeface="Agrandir"/>
-                <a:cs typeface="Agrandir"/>
-                <a:sym typeface="Agrandir"/>
-              </a:rPr>
-              <a:t>Using </a:t>
-            </a:r>
-            <a:r>
-              <a:rPr lang="en-US" sz="3200" b="1" dirty="0" err="1">
-                <a:solidFill>
-                  <a:srgbClr val="000000"/>
-                </a:solidFill>
-                <a:latin typeface="-webkit-standard"/>
-                <a:ea typeface="Agrandir"/>
-                <a:cs typeface="Agrandir"/>
-                <a:sym typeface="Agrandir"/>
-              </a:rPr>
-              <a:t>Layoff_Index</a:t>
-            </a:r>
-            <a:r>
-              <a:rPr lang="en-US" sz="3200" b="1" dirty="0">
-                <a:solidFill>
-                  <a:srgbClr val="000000"/>
-                </a:solidFill>
-                <a:latin typeface="-webkit-standard"/>
-                <a:ea typeface="Agrandir"/>
-                <a:cs typeface="Agrandir"/>
-                <a:sym typeface="Agrandir"/>
-              </a:rPr>
-              <a:t> </a:t>
-            </a:r>
-            <a:r>
-              <a:rPr lang="en-US" sz="3200" dirty="0">
-                <a:solidFill>
-                  <a:srgbClr val="000000"/>
-                </a:solidFill>
-                <a:latin typeface="-webkit-standard"/>
-                <a:ea typeface="Agrandir"/>
-                <a:cs typeface="Agrandir"/>
-                <a:sym typeface="Agrandir"/>
-              </a:rPr>
-              <a:t>to predict</a:t>
-            </a:r>
-            <a:r>
-              <a:rPr lang="en-US" sz="3200" b="1" dirty="0">
-                <a:solidFill>
-                  <a:srgbClr val="000000"/>
-                </a:solidFill>
-                <a:latin typeface="-webkit-standard"/>
-                <a:ea typeface="Agrandir"/>
-                <a:cs typeface="Agrandir"/>
-                <a:sym typeface="Agrandir"/>
-              </a:rPr>
-              <a:t> </a:t>
-            </a:r>
-            <a:r>
-              <a:rPr lang="en-US" sz="3200" b="1" spc="-150" dirty="0">
-                <a:solidFill>
-                  <a:srgbClr val="171717"/>
-                </a:solidFill>
-                <a:latin typeface="Agrandir Bold"/>
-              </a:rPr>
-              <a:t>Dow Jones Industrial Average increased (</a:t>
-            </a:r>
-            <a:r>
-              <a:rPr lang="en-US" sz="3200" i="1" dirty="0" err="1">
-                <a:solidFill>
-                  <a:srgbClr val="000000"/>
-                </a:solidFill>
-              </a:rPr>
-              <a:t>DJ</a:t>
-            </a:r>
-            <a:r>
-              <a:rPr lang="en-US" sz="3200" b="0" i="1" u="none" strike="noStrike" dirty="0" err="1">
-                <a:solidFill>
-                  <a:srgbClr val="000000"/>
-                </a:solidFill>
-                <a:effectLst/>
-              </a:rPr>
-              <a:t>_Up</a:t>
-            </a:r>
-            <a:r>
-              <a:rPr lang="en-US" sz="3200" b="0" i="1" u="none" strike="noStrike" dirty="0">
-                <a:solidFill>
-                  <a:srgbClr val="000000"/>
-                </a:solidFill>
-                <a:effectLst/>
-              </a:rPr>
-              <a:t> </a:t>
-            </a:r>
-            <a:r>
-              <a:rPr lang="en-US" sz="3200" b="1" spc="-150" dirty="0">
-                <a:solidFill>
-                  <a:srgbClr val="171717"/>
-                </a:solidFill>
-                <a:latin typeface="Agrandir Bold"/>
-              </a:rPr>
-              <a:t>)</a:t>
-            </a:r>
-            <a:endParaRPr lang="en-US" sz="3200" b="1" dirty="0">
-              <a:solidFill>
-                <a:srgbClr val="000000"/>
-              </a:solidFill>
-              <a:latin typeface="-webkit-standard"/>
-              <a:ea typeface="Agrandir"/>
-              <a:cs typeface="Agrandir"/>
-              <a:sym typeface="Agrandir"/>
-            </a:endParaRPr>
-          </a:p>
-          <a:p>
-            <a:pPr marL="457200" indent="-457200">
+              <a:rPr lang="en-US" sz="3600" dirty="0">
+                <a:latin typeface="Baloo Bhaijaan" panose="03080902040302020200" pitchFamily="66" charset="-78"/>
+                <a:cs typeface="Baloo Bhaijaan" panose="03080902040302020200" pitchFamily="66" charset="-78"/>
+              </a:rPr>
+              <a:t>Accuracy for </a:t>
+            </a:r>
+            <a:r>
+              <a:rPr lang="en-US" sz="3600" dirty="0" err="1">
+                <a:latin typeface="Baloo Bhaijaan" panose="03080902040302020200" pitchFamily="66" charset="-78"/>
+                <a:cs typeface="Baloo Bhaijaan" panose="03080902040302020200" pitchFamily="66" charset="-78"/>
+              </a:rPr>
+              <a:t>DecisionTree</a:t>
+            </a:r>
+            <a:r>
+              <a:rPr lang="en-US" sz="3600" dirty="0">
+                <a:latin typeface="Baloo Bhaijaan" panose="03080902040302020200" pitchFamily="66" charset="-78"/>
+                <a:cs typeface="Baloo Bhaijaan" panose="03080902040302020200" pitchFamily="66" charset="-78"/>
+              </a:rPr>
+              <a:t>: 0.8889 </a:t>
+            </a:r>
+          </a:p>
+          <a:p>
+            <a:pPr marL="285750" indent="-285750">
               <a:buFont typeface="Arial" panose="020B0604020202020204" pitchFamily="34" charset="0"/>
               <a:buChar char="•"/>
             </a:pPr>
             <a:r>
-              <a:rPr lang="en-US" sz="3200" b="0" i="1" u="none" strike="noStrike" dirty="0">
-                <a:solidFill>
-                  <a:srgbClr val="000000"/>
-                </a:solidFill>
-                <a:effectLst/>
+              <a:rPr lang="en-US" sz="3600" dirty="0">
+                <a:latin typeface="Baloo Bhaijaan" panose="03080902040302020200" pitchFamily="66" charset="-78"/>
+                <a:cs typeface="Baloo Bhaijaan" panose="03080902040302020200" pitchFamily="66" charset="-78"/>
               </a:rPr>
               <a:t>Accuracy for </a:t>
             </a:r>
             <a:r>
-              <a:rPr lang="en-US" sz="3200" i="1" dirty="0" err="1">
-                <a:solidFill>
-                  <a:srgbClr val="000000"/>
-                </a:solidFill>
-              </a:rPr>
-              <a:t>DJ</a:t>
-            </a:r>
-            <a:r>
-              <a:rPr lang="en-US" sz="3200" b="0" i="1" u="none" strike="noStrike" dirty="0" err="1">
-                <a:solidFill>
-                  <a:srgbClr val="000000"/>
-                </a:solidFill>
-                <a:effectLst/>
-              </a:rPr>
-              <a:t>_Up</a:t>
-            </a:r>
-            <a:r>
-              <a:rPr lang="en-US" sz="3200" b="0" i="1" u="none" strike="noStrike" dirty="0">
-                <a:solidFill>
-                  <a:srgbClr val="000000"/>
-                </a:solidFill>
-                <a:effectLst/>
-              </a:rPr>
-              <a:t> (</a:t>
-            </a:r>
-            <a:r>
-              <a:rPr lang="en-US" sz="3200" b="1" spc="-150" dirty="0">
-                <a:solidFill>
-                  <a:srgbClr val="171717"/>
-                </a:solidFill>
-                <a:latin typeface="Agrandir Bold"/>
-              </a:rPr>
-              <a:t>VIX index increased </a:t>
-            </a:r>
-            <a:r>
-              <a:rPr lang="en-US" sz="3200" b="1" spc="-150" dirty="0">
-                <a:solidFill>
-                  <a:srgbClr val="171717"/>
-                </a:solidFill>
-                <a:latin typeface="Agrandir Bold"/>
-                <a:sym typeface="Agrandir Bold"/>
-              </a:rPr>
-              <a:t> </a:t>
-            </a:r>
-            <a:r>
-              <a:rPr lang="en-US" sz="3200" b="0" i="1" u="none" strike="noStrike" dirty="0">
-                <a:solidFill>
-                  <a:srgbClr val="000000"/>
-                </a:solidFill>
-                <a:effectLst/>
-              </a:rPr>
-              <a:t>):</a:t>
-            </a:r>
-            <a:r>
-              <a:rPr lang="en-TW" sz="3200" dirty="0"/>
-              <a:t> 0.8698</a:t>
-            </a:r>
-            <a:r>
-              <a:rPr lang="en-US" sz="3200" b="0" i="1" u="none" strike="noStrike" dirty="0">
-                <a:solidFill>
-                  <a:srgbClr val="000000"/>
-                </a:solidFill>
-                <a:effectLst/>
-              </a:rPr>
-              <a:t>, </a:t>
-            </a:r>
-            <a:r>
-              <a:rPr lang="en-US" sz="3200" b="1" i="0" u="none" strike="noStrike" dirty="0">
-                <a:solidFill>
-                  <a:srgbClr val="000000"/>
-                </a:solidFill>
-                <a:effectLst/>
-              </a:rPr>
-              <a:t>86.98% accuracy</a:t>
-            </a:r>
-            <a:endParaRPr lang="en-TW" sz="3200" dirty="0"/>
+              <a:rPr lang="en-US" sz="3600" dirty="0" err="1">
+                <a:latin typeface="Baloo Bhaijaan" panose="03080902040302020200" pitchFamily="66" charset="-78"/>
+                <a:cs typeface="Baloo Bhaijaan" panose="03080902040302020200" pitchFamily="66" charset="-78"/>
+              </a:rPr>
+              <a:t>RandomForest</a:t>
+            </a:r>
+            <a:r>
+              <a:rPr lang="en-US" sz="3600" dirty="0">
+                <a:latin typeface="Baloo Bhaijaan" panose="03080902040302020200" pitchFamily="66" charset="-78"/>
+                <a:cs typeface="Baloo Bhaijaan" panose="03080902040302020200" pitchFamily="66" charset="-78"/>
+              </a:rPr>
+              <a:t>: 0.9048</a:t>
+            </a:r>
+          </a:p>
+          <a:p>
+            <a:pPr marL="285750" indent="-285750">
+              <a:buFont typeface="Arial" panose="020B0604020202020204" pitchFamily="34" charset="0"/>
+              <a:buChar char="•"/>
+            </a:pPr>
+            <a:r>
+              <a:rPr lang="en-US" sz="3600" dirty="0">
+                <a:latin typeface="Baloo Bhaijaan" panose="03080902040302020200" pitchFamily="66" charset="-78"/>
+                <a:cs typeface="Baloo Bhaijaan" panose="03080902040302020200" pitchFamily="66" charset="-78"/>
+              </a:rPr>
+              <a:t>Accuracy for </a:t>
+            </a:r>
+            <a:r>
+              <a:rPr lang="en-US" sz="3600" dirty="0" err="1">
+                <a:latin typeface="Baloo Bhaijaan" panose="03080902040302020200" pitchFamily="66" charset="-78"/>
+                <a:cs typeface="Baloo Bhaijaan" panose="03080902040302020200" pitchFamily="66" charset="-78"/>
+              </a:rPr>
+              <a:t>XGBoost</a:t>
+            </a:r>
+            <a:r>
+              <a:rPr lang="en-US" sz="3600" dirty="0">
+                <a:latin typeface="Baloo Bhaijaan" panose="03080902040302020200" pitchFamily="66" charset="-78"/>
+                <a:cs typeface="Baloo Bhaijaan" panose="03080902040302020200" pitchFamily="66" charset="-78"/>
+              </a:rPr>
+              <a:t>: 0.9079 </a:t>
+            </a:r>
           </a:p>
         </p:txBody>
       </p:sp>
       <p:pic>
         <p:nvPicPr>
-          <p:cNvPr id="8" name="Picture 7" descr="A graph with blue lines and dots&#10;&#10;Description automatically generated">
+          <p:cNvPr id="8" name="Picture 7">
             <a:extLst>
               <a:ext uri="{FF2B5EF4-FFF2-40B4-BE49-F238E27FC236}">
-                <a16:creationId xmlns:a16="http://schemas.microsoft.com/office/drawing/2014/main" id="{BBEA33B3-C648-B17B-44A1-F3F3C309C94B}"/>
+                <a16:creationId xmlns:a16="http://schemas.microsoft.com/office/drawing/2014/main" id="{3D39DF70-608C-A51B-C5F5-4EC4770B434A}"/>
               </a:ext>
             </a:extLst>
           </p:cNvPr>
@@ -6716,21 +6475,15 @@
           <p:nvPr/>
         </p:nvPicPr>
         <p:blipFill>
-          <a:blip r:embed="rId4">
-            <a:extLst>
-              <a:ext uri="{28A0092B-C50C-407E-A947-70E740481C1C}">
-                <a14:useLocalDpi xmlns:a14="http://schemas.microsoft.com/office/drawing/2010/main" val="0"/>
-              </a:ext>
-            </a:extLst>
-          </a:blip>
+          <a:blip r:embed="rId2"/>
           <a:stretch>
             <a:fillRect/>
           </a:stretch>
         </p:blipFill>
         <p:spPr>
           <a:xfrm>
-            <a:off x="990600" y="4782647"/>
-            <a:ext cx="10591800" cy="4957550"/>
+            <a:off x="2290524" y="2265626"/>
+            <a:ext cx="11425476" cy="7312791"/>
           </a:xfrm>
           <a:prstGeom prst="rect">
             <a:avLst/>
@@ -6739,108 +6492,80 @@
       </p:pic>
       <p:sp>
         <p:nvSpPr>
-          <p:cNvPr id="9" name="Oval 8">
+          <p:cNvPr id="7" name="TextBox 6">
             <a:extLst>
               <a:ext uri="{FF2B5EF4-FFF2-40B4-BE49-F238E27FC236}">
-                <a16:creationId xmlns:a16="http://schemas.microsoft.com/office/drawing/2014/main" id="{8B4666F2-6C54-31B4-AE24-4C70C5CA2B50}"/>
+                <a16:creationId xmlns:a16="http://schemas.microsoft.com/office/drawing/2014/main" id="{ECE3A972-1A18-5A35-792E-07CF03FD92F4}"/>
               </a:ext>
             </a:extLst>
           </p:cNvPr>
-          <p:cNvSpPr/>
+          <p:cNvSpPr txBox="1"/>
           <p:nvPr/>
         </p:nvSpPr>
         <p:spPr>
           <a:xfrm>
-            <a:off x="4814455" y="4782647"/>
-            <a:ext cx="2057400" cy="4651664"/>
+            <a:off x="2438400" y="9283347"/>
+            <a:ext cx="6705600" cy="646331"/>
           </a:xfrm>
-          <a:prstGeom prst="ellipse">
+          <a:prstGeom prst="rect">
             <a:avLst/>
           </a:prstGeom>
-          <a:noFill/>
-          <a:ln w="28575">
-            <a:solidFill>
-              <a:srgbClr val="FF0000"/>
-            </a:solidFill>
-          </a:ln>
+          <a:solidFill>
+            <a:schemeClr val="accent2"/>
+          </a:solidFill>
         </p:spPr>
         <p:style>
           <a:lnRef idx="2">
-            <a:schemeClr val="accent6"/>
+            <a:schemeClr val="accent2"/>
           </a:lnRef>
           <a:fillRef idx="1">
             <a:schemeClr val="lt1"/>
           </a:fillRef>
           <a:effectRef idx="0">
-            <a:schemeClr val="accent6"/>
+            <a:schemeClr val="accent2"/>
           </a:effectRef>
           <a:fontRef idx="minor">
             <a:schemeClr val="dk1"/>
           </a:fontRef>
         </p:style>
         <p:txBody>
-          <a:bodyPr rtlCol="0" anchor="ctr"/>
-          <a:lstStyle/>
-          <a:p>
-            <a:pPr algn="ctr"/>
-            <a:endParaRPr lang="en-TW"/>
-          </a:p>
-        </p:txBody>
-      </p:sp>
-      <p:sp>
-        <p:nvSpPr>
-          <p:cNvPr id="10" name="Oval 9">
-            <a:extLst>
-              <a:ext uri="{FF2B5EF4-FFF2-40B4-BE49-F238E27FC236}">
-                <a16:creationId xmlns:a16="http://schemas.microsoft.com/office/drawing/2014/main" id="{C9496A13-65AC-A0BA-4687-3CB6B34DE18D}"/>
-              </a:ext>
-            </a:extLst>
-          </p:cNvPr>
-          <p:cNvSpPr/>
-          <p:nvPr/>
-        </p:nvSpPr>
-        <p:spPr>
-          <a:xfrm>
-            <a:off x="8115300" y="4838066"/>
-            <a:ext cx="2057400" cy="4651664"/>
-          </a:xfrm>
-          <a:prstGeom prst="ellipse">
-            <a:avLst/>
-          </a:prstGeom>
-          <a:noFill/>
-          <a:ln w="28575">
-            <a:solidFill>
-              <a:srgbClr val="FF0000"/>
-            </a:solidFill>
-          </a:ln>
-        </p:spPr>
-        <p:style>
-          <a:lnRef idx="2">
-            <a:schemeClr val="accent6"/>
-          </a:lnRef>
-          <a:fillRef idx="1">
-            <a:schemeClr val="lt1"/>
-          </a:fillRef>
-          <a:effectRef idx="0">
-            <a:schemeClr val="accent6"/>
-          </a:effectRef>
-          <a:fontRef idx="minor">
-            <a:schemeClr val="dk1"/>
-          </a:fontRef>
-        </p:style>
-        <p:txBody>
-          <a:bodyPr rtlCol="0" anchor="ctr"/>
-          <a:lstStyle/>
-          <a:p>
-            <a:pPr algn="ctr"/>
-            <a:endParaRPr lang="en-TW"/>
+          <a:bodyPr wrap="square">
+            <a:spAutoFit/>
+          </a:bodyPr>
+          <a:lstStyle/>
+          <a:p>
+            <a:r>
+              <a:rPr lang="en-US" sz="3600" dirty="0">
+                <a:latin typeface="Baloo Bhaijaan" panose="03080902040302020200" pitchFamily="66" charset="-78"/>
+                <a:cs typeface="Baloo Bhaijaan" panose="03080902040302020200" pitchFamily="66" charset="-78"/>
+              </a:rPr>
+              <a:t>BEST MODEL: </a:t>
+            </a:r>
+            <a:r>
+              <a:rPr lang="en-US" sz="3600" dirty="0" err="1">
+                <a:latin typeface="Baloo Bhaijaan" panose="03080902040302020200" pitchFamily="66" charset="-78"/>
+                <a:cs typeface="Baloo Bhaijaan" panose="03080902040302020200" pitchFamily="66" charset="-78"/>
+              </a:rPr>
+              <a:t>XGBoost</a:t>
+            </a:r>
+            <a:r>
+              <a:rPr lang="en-US" sz="3600" dirty="0">
+                <a:latin typeface="Baloo Bhaijaan" panose="03080902040302020200" pitchFamily="66" charset="-78"/>
+                <a:cs typeface="Baloo Bhaijaan" panose="03080902040302020200" pitchFamily="66" charset="-78"/>
+              </a:rPr>
+              <a:t> (0.9079)</a:t>
+            </a:r>
+            <a:endParaRPr lang="en-TW" sz="3600" dirty="0">
+              <a:latin typeface="Baloo Bhaijaan" panose="03080902040302020200" pitchFamily="66" charset="-78"/>
+              <a:cs typeface="Baloo Bhaijaan" panose="03080902040302020200" pitchFamily="66" charset="-78"/>
+            </a:endParaRPr>
           </a:p>
         </p:txBody>
       </p:sp>
     </p:spTree>
     <p:extLst>
       <p:ext uri="{BB962C8B-B14F-4D97-AF65-F5344CB8AC3E}">
-        <p14:creationId xmlns:p14="http://schemas.microsoft.com/office/powerpoint/2010/main" val="874406501"/>
+        <p14:creationId xmlns:p14="http://schemas.microsoft.com/office/powerpoint/2010/main" val="682730271"/>
       </p:ext>
     </p:extLst>
   </p:cSld>
@@ -6851,546 +6576,6 @@
 </file>
 
 <file path=ppt/slides/slide15.xml><?xml version="1.0" encoding="utf-8"?>
-<p:sld xmlns:a="http://schemas.openxmlformats.org/drawingml/2006/main" xmlns:r="http://schemas.openxmlformats.org/officeDocument/2006/relationships" xmlns:p="http://schemas.openxmlformats.org/presentationml/2006/main">
-  <p:cSld>
-    <p:spTree>
-      <p:nvGrpSpPr>
-        <p:cNvPr id="1" name=""/>
-        <p:cNvGrpSpPr/>
-        <p:nvPr/>
-      </p:nvGrpSpPr>
-      <p:grpSpPr>
-        <a:xfrm>
-          <a:off x="0" y="0"/>
-          <a:ext cx="0" cy="0"/>
-          <a:chOff x="0" y="0"/>
-          <a:chExt cx="0" cy="0"/>
-        </a:xfrm>
-      </p:grpSpPr>
-      <p:sp>
-        <p:nvSpPr>
-          <p:cNvPr id="2" name="Freeform 3">
-            <a:extLst>
-              <a:ext uri="{FF2B5EF4-FFF2-40B4-BE49-F238E27FC236}">
-                <a16:creationId xmlns:a16="http://schemas.microsoft.com/office/drawing/2014/main" id="{26BC09E3-80E0-2199-7A55-479F5FA37BC9}"/>
-              </a:ext>
-            </a:extLst>
-          </p:cNvPr>
-          <p:cNvSpPr/>
-          <p:nvPr/>
-        </p:nvSpPr>
-        <p:spPr>
-          <a:xfrm>
-            <a:off x="228600" y="5676900"/>
-            <a:ext cx="5891130" cy="4125610"/>
-          </a:xfrm>
-          <a:custGeom>
-            <a:avLst/>
-            <a:gdLst/>
-            <a:ahLst/>
-            <a:cxnLst/>
-            <a:rect l="l" t="t" r="r" b="b"/>
-            <a:pathLst>
-              <a:path w="7371463" h="6158994">
-                <a:moveTo>
-                  <a:pt x="0" y="0"/>
-                </a:moveTo>
-                <a:lnTo>
-                  <a:pt x="7371463" y="0"/>
-                </a:lnTo>
-                <a:lnTo>
-                  <a:pt x="7371463" y="6158993"/>
-                </a:lnTo>
-                <a:lnTo>
-                  <a:pt x="0" y="6158993"/>
-                </a:lnTo>
-                <a:lnTo>
-                  <a:pt x="0" y="0"/>
-                </a:lnTo>
-                <a:close/>
-              </a:path>
-            </a:pathLst>
-          </a:custGeom>
-          <a:blipFill>
-            <a:blip r:embed="rId2">
-              <a:extLst>
-                <a:ext uri="{96DAC541-7B7A-43D3-8B79-37D633B846F1}">
-                  <asvg:svgBlip xmlns:asvg="http://schemas.microsoft.com/office/drawing/2016/SVG/main" r:embed="rId3"/>
-                </a:ext>
-              </a:extLst>
-            </a:blip>
-            <a:stretch>
-              <a:fillRect/>
-            </a:stretch>
-          </a:blipFill>
-        </p:spPr>
-        <p:txBody>
-          <a:bodyPr/>
-          <a:lstStyle/>
-          <a:p>
-            <a:endParaRPr lang="en-TW" dirty="0"/>
-          </a:p>
-        </p:txBody>
-      </p:sp>
-      <p:sp>
-        <p:nvSpPr>
-          <p:cNvPr id="5" name="TextBox 8">
-            <a:extLst>
-              <a:ext uri="{FF2B5EF4-FFF2-40B4-BE49-F238E27FC236}">
-                <a16:creationId xmlns:a16="http://schemas.microsoft.com/office/drawing/2014/main" id="{C0FDE452-8DD6-B978-9544-561B7565B767}"/>
-              </a:ext>
-            </a:extLst>
-          </p:cNvPr>
-          <p:cNvSpPr txBox="1"/>
-          <p:nvPr/>
-        </p:nvSpPr>
-        <p:spPr>
-          <a:xfrm>
-            <a:off x="561109" y="357322"/>
-            <a:ext cx="17726891" cy="2476319"/>
-          </a:xfrm>
-          <a:prstGeom prst="rect">
-            <a:avLst/>
-          </a:prstGeom>
-        </p:spPr>
-        <p:txBody>
-          <a:bodyPr wrap="square" lIns="0" tIns="0" rIns="0" bIns="0" rtlCol="0" anchor="t">
-            <a:spAutoFit/>
-          </a:bodyPr>
-          <a:lstStyle/>
-          <a:p>
-            <a:pPr marL="0" lvl="0" indent="0" algn="l">
-              <a:lnSpc>
-                <a:spcPts val="9799"/>
-              </a:lnSpc>
-            </a:pPr>
-            <a:r>
-              <a:rPr lang="en-US" sz="7200" b="1" spc="-150" dirty="0">
-                <a:solidFill>
-                  <a:srgbClr val="171717"/>
-                </a:solidFill>
-                <a:latin typeface="Agrandir Bold"/>
-                <a:sym typeface="Agrandir Bold"/>
-              </a:rPr>
-              <a:t>Confusion Matrix &amp; Model error (41):</a:t>
-            </a:r>
-          </a:p>
-          <a:p>
-            <a:pPr marL="0" lvl="0" indent="0" algn="l">
-              <a:lnSpc>
-                <a:spcPts val="9799"/>
-              </a:lnSpc>
-            </a:pPr>
-            <a:r>
-              <a:rPr lang="en-US" sz="7200" b="1" spc="-150" dirty="0">
-                <a:solidFill>
-                  <a:srgbClr val="171717"/>
-                </a:solidFill>
-                <a:latin typeface="Agrandir Bold"/>
-              </a:rPr>
-              <a:t>Dow Jones Industrial Average increased</a:t>
-            </a:r>
-            <a:endParaRPr lang="en-US" sz="7200" b="1" spc="-150" dirty="0">
-              <a:solidFill>
-                <a:srgbClr val="171717"/>
-              </a:solidFill>
-              <a:latin typeface="Agrandir Bold"/>
-              <a:sym typeface="Agrandir Bold"/>
-            </a:endParaRPr>
-          </a:p>
-        </p:txBody>
-      </p:sp>
-      <p:pic>
-        <p:nvPicPr>
-          <p:cNvPr id="7" name="Picture 6" descr="A diagram of a confused matrix&#10;&#10;Description automatically generated">
-            <a:extLst>
-              <a:ext uri="{FF2B5EF4-FFF2-40B4-BE49-F238E27FC236}">
-                <a16:creationId xmlns:a16="http://schemas.microsoft.com/office/drawing/2014/main" id="{5687B389-11B2-9059-3816-74A49D48E402}"/>
-              </a:ext>
-            </a:extLst>
-          </p:cNvPr>
-          <p:cNvPicPr>
-            <a:picLocks noChangeAspect="1"/>
-          </p:cNvPicPr>
-          <p:nvPr/>
-        </p:nvPicPr>
-        <p:blipFill>
-          <a:blip r:embed="rId4">
-            <a:extLst>
-              <a:ext uri="{28A0092B-C50C-407E-A947-70E740481C1C}">
-                <a14:useLocalDpi xmlns:a14="http://schemas.microsoft.com/office/drawing/2010/main" val="0"/>
-              </a:ext>
-            </a:extLst>
-          </a:blip>
-          <a:stretch>
-            <a:fillRect/>
-          </a:stretch>
-        </p:blipFill>
-        <p:spPr>
-          <a:xfrm>
-            <a:off x="6094297" y="3141647"/>
-            <a:ext cx="7444651" cy="6649195"/>
-          </a:xfrm>
-          <a:prstGeom prst="rect">
-            <a:avLst/>
-          </a:prstGeom>
-        </p:spPr>
-      </p:pic>
-      <p:sp>
-        <p:nvSpPr>
-          <p:cNvPr id="9" name="TextBox 8">
-            <a:extLst>
-              <a:ext uri="{FF2B5EF4-FFF2-40B4-BE49-F238E27FC236}">
-                <a16:creationId xmlns:a16="http://schemas.microsoft.com/office/drawing/2014/main" id="{05E0130F-4A91-B391-6170-68B32BBC73DA}"/>
-              </a:ext>
-            </a:extLst>
-          </p:cNvPr>
-          <p:cNvSpPr txBox="1"/>
-          <p:nvPr/>
-        </p:nvSpPr>
-        <p:spPr>
-          <a:xfrm>
-            <a:off x="14249400" y="8716182"/>
-            <a:ext cx="4572000" cy="769441"/>
-          </a:xfrm>
-          <a:prstGeom prst="rect">
-            <a:avLst/>
-          </a:prstGeom>
-          <a:noFill/>
-        </p:spPr>
-        <p:txBody>
-          <a:bodyPr wrap="square">
-            <a:spAutoFit/>
-          </a:bodyPr>
-          <a:lstStyle/>
-          <a:p>
-            <a:r>
-              <a:rPr lang="en-US" sz="4400" b="1" i="0" u="none" strike="noStrike" dirty="0">
-                <a:solidFill>
-                  <a:srgbClr val="000000"/>
-                </a:solidFill>
-                <a:effectLst/>
-              </a:rPr>
-              <a:t>86.98% accuracy</a:t>
-            </a:r>
-            <a:endParaRPr lang="en-TW" sz="4400" dirty="0"/>
-          </a:p>
-        </p:txBody>
-      </p:sp>
-      <p:sp>
-        <p:nvSpPr>
-          <p:cNvPr id="10" name="TextBox 9">
-            <a:extLst>
-              <a:ext uri="{FF2B5EF4-FFF2-40B4-BE49-F238E27FC236}">
-                <a16:creationId xmlns:a16="http://schemas.microsoft.com/office/drawing/2014/main" id="{D7D41DB8-9F0F-C230-B6E3-92BF28304ADA}"/>
-              </a:ext>
-            </a:extLst>
-          </p:cNvPr>
-          <p:cNvSpPr txBox="1"/>
-          <p:nvPr/>
-        </p:nvSpPr>
-        <p:spPr>
-          <a:xfrm>
-            <a:off x="5823238" y="4054991"/>
-            <a:ext cx="3484418" cy="584775"/>
-          </a:xfrm>
-          <a:prstGeom prst="rect">
-            <a:avLst/>
-          </a:prstGeom>
-          <a:noFill/>
-        </p:spPr>
-        <p:txBody>
-          <a:bodyPr wrap="square">
-            <a:spAutoFit/>
-          </a:bodyPr>
-          <a:lstStyle/>
-          <a:p>
-            <a:r>
-              <a:rPr lang="en-US" sz="3200" b="0" i="0" u="none" strike="noStrike" dirty="0">
-                <a:solidFill>
-                  <a:srgbClr val="000000"/>
-                </a:solidFill>
-                <a:effectLst/>
-                <a:highlight>
-                  <a:srgbClr val="FFFF00"/>
-                </a:highlight>
-                <a:latin typeface="-webkit-standard"/>
-              </a:rPr>
-              <a:t>True Negatives (TN) </a:t>
-            </a:r>
-            <a:endParaRPr lang="en-TW" sz="3200" dirty="0">
-              <a:highlight>
-                <a:srgbClr val="FFFF00"/>
-              </a:highlight>
-            </a:endParaRPr>
-          </a:p>
-        </p:txBody>
-      </p:sp>
-      <p:sp>
-        <p:nvSpPr>
-          <p:cNvPr id="11" name="TextBox 10">
-            <a:extLst>
-              <a:ext uri="{FF2B5EF4-FFF2-40B4-BE49-F238E27FC236}">
-                <a16:creationId xmlns:a16="http://schemas.microsoft.com/office/drawing/2014/main" id="{586A9831-C867-0335-5D49-2BE3671FB01C}"/>
-              </a:ext>
-            </a:extLst>
-          </p:cNvPr>
-          <p:cNvSpPr txBox="1"/>
-          <p:nvPr/>
-        </p:nvSpPr>
-        <p:spPr>
-          <a:xfrm>
-            <a:off x="9496716" y="6755663"/>
-            <a:ext cx="3484418" cy="584775"/>
-          </a:xfrm>
-          <a:prstGeom prst="rect">
-            <a:avLst/>
-          </a:prstGeom>
-          <a:noFill/>
-        </p:spPr>
-        <p:txBody>
-          <a:bodyPr wrap="square">
-            <a:spAutoFit/>
-          </a:bodyPr>
-          <a:lstStyle/>
-          <a:p>
-            <a:r>
-              <a:rPr lang="en-US" sz="3200" b="0" i="0" u="none" strike="noStrike" dirty="0">
-                <a:solidFill>
-                  <a:srgbClr val="000000"/>
-                </a:solidFill>
-                <a:effectLst/>
-                <a:highlight>
-                  <a:srgbClr val="FFFF00"/>
-                </a:highlight>
-                <a:latin typeface="-webkit-standard"/>
-              </a:rPr>
-              <a:t>True Positives (TP)</a:t>
-            </a:r>
-            <a:endParaRPr lang="en-TW" sz="3200" dirty="0">
-              <a:highlight>
-                <a:srgbClr val="FFFF00"/>
-              </a:highlight>
-            </a:endParaRPr>
-          </a:p>
-        </p:txBody>
-      </p:sp>
-      <p:sp>
-        <p:nvSpPr>
-          <p:cNvPr id="12" name="TextBox 11">
-            <a:extLst>
-              <a:ext uri="{FF2B5EF4-FFF2-40B4-BE49-F238E27FC236}">
-                <a16:creationId xmlns:a16="http://schemas.microsoft.com/office/drawing/2014/main" id="{A43B3398-3303-8037-5FD8-E7408C02F41D}"/>
-              </a:ext>
-            </a:extLst>
-          </p:cNvPr>
-          <p:cNvSpPr txBox="1"/>
-          <p:nvPr/>
-        </p:nvSpPr>
-        <p:spPr>
-          <a:xfrm>
-            <a:off x="9848850" y="3720525"/>
-            <a:ext cx="3484418" cy="584775"/>
-          </a:xfrm>
-          <a:prstGeom prst="rect">
-            <a:avLst/>
-          </a:prstGeom>
-          <a:noFill/>
-        </p:spPr>
-        <p:txBody>
-          <a:bodyPr wrap="square">
-            <a:spAutoFit/>
-          </a:bodyPr>
-          <a:lstStyle/>
-          <a:p>
-            <a:r>
-              <a:rPr lang="en-US" sz="3200" b="1" i="0" u="none" strike="noStrike" dirty="0">
-                <a:solidFill>
-                  <a:srgbClr val="000000"/>
-                </a:solidFill>
-                <a:effectLst/>
-                <a:highlight>
-                  <a:srgbClr val="00FF00"/>
-                </a:highlight>
-              </a:rPr>
-              <a:t>False Positives (FP)</a:t>
-            </a:r>
-            <a:r>
-              <a:rPr lang="en-US" sz="3200" b="0" i="0" u="none" strike="noStrike" dirty="0">
-                <a:solidFill>
-                  <a:srgbClr val="000000"/>
-                </a:solidFill>
-                <a:effectLst/>
-                <a:highlight>
-                  <a:srgbClr val="00FF00"/>
-                </a:highlight>
-                <a:latin typeface="-webkit-standard"/>
-              </a:rPr>
-              <a:t> </a:t>
-            </a:r>
-            <a:endParaRPr lang="en-TW" sz="3200" dirty="0">
-              <a:highlight>
-                <a:srgbClr val="00FF00"/>
-              </a:highlight>
-            </a:endParaRPr>
-          </a:p>
-        </p:txBody>
-      </p:sp>
-      <p:sp>
-        <p:nvSpPr>
-          <p:cNvPr id="13" name="TextBox 12">
-            <a:extLst>
-              <a:ext uri="{FF2B5EF4-FFF2-40B4-BE49-F238E27FC236}">
-                <a16:creationId xmlns:a16="http://schemas.microsoft.com/office/drawing/2014/main" id="{435EB809-688B-2817-C4AA-4EBE7A887F8C}"/>
-              </a:ext>
-            </a:extLst>
-          </p:cNvPr>
-          <p:cNvSpPr txBox="1"/>
-          <p:nvPr/>
-        </p:nvSpPr>
-        <p:spPr>
-          <a:xfrm>
-            <a:off x="5706340" y="8060535"/>
-            <a:ext cx="3718214" cy="584775"/>
-          </a:xfrm>
-          <a:prstGeom prst="rect">
-            <a:avLst/>
-          </a:prstGeom>
-          <a:noFill/>
-        </p:spPr>
-        <p:txBody>
-          <a:bodyPr wrap="square">
-            <a:spAutoFit/>
-          </a:bodyPr>
-          <a:lstStyle/>
-          <a:p>
-            <a:r>
-              <a:rPr lang="en-US" sz="3200" b="0" i="0" u="none" strike="noStrike" dirty="0">
-                <a:solidFill>
-                  <a:srgbClr val="000000"/>
-                </a:solidFill>
-                <a:effectLst/>
-                <a:highlight>
-                  <a:srgbClr val="00FF00"/>
-                </a:highlight>
-                <a:latin typeface="-webkit-standard"/>
-              </a:rPr>
-              <a:t>False Negatives (FN)</a:t>
-            </a:r>
-            <a:endParaRPr lang="en-TW" sz="3200" dirty="0">
-              <a:highlight>
-                <a:srgbClr val="00FF00"/>
-              </a:highlight>
-            </a:endParaRPr>
-          </a:p>
-        </p:txBody>
-      </p:sp>
-      <p:sp>
-        <p:nvSpPr>
-          <p:cNvPr id="14" name="TextBox 13">
-            <a:extLst>
-              <a:ext uri="{FF2B5EF4-FFF2-40B4-BE49-F238E27FC236}">
-                <a16:creationId xmlns:a16="http://schemas.microsoft.com/office/drawing/2014/main" id="{3E2E3162-C35C-A481-A112-5DE201FD0181}"/>
-              </a:ext>
-            </a:extLst>
-          </p:cNvPr>
-          <p:cNvSpPr txBox="1"/>
-          <p:nvPr/>
-        </p:nvSpPr>
-        <p:spPr>
-          <a:xfrm>
-            <a:off x="5861798" y="6704192"/>
-            <a:ext cx="2924466" cy="646331"/>
-          </a:xfrm>
-          <a:prstGeom prst="rect">
-            <a:avLst/>
-          </a:prstGeom>
-          <a:noFill/>
-        </p:spPr>
-        <p:txBody>
-          <a:bodyPr wrap="square">
-            <a:spAutoFit/>
-          </a:bodyPr>
-          <a:lstStyle/>
-          <a:p>
-            <a:r>
-              <a:rPr lang="en-US" sz="3600" b="1" spc="-150" dirty="0">
-                <a:solidFill>
-                  <a:srgbClr val="FF0000"/>
-                </a:solidFill>
-                <a:latin typeface="Agrandir Bold"/>
-                <a:sym typeface="Agrandir Bold"/>
-              </a:rPr>
-              <a:t>Model error </a:t>
-            </a:r>
-            <a:endParaRPr lang="en-TW" sz="3600" dirty="0">
-              <a:solidFill>
-                <a:srgbClr val="FF0000"/>
-              </a:solidFill>
-            </a:endParaRPr>
-          </a:p>
-        </p:txBody>
-      </p:sp>
-      <p:sp>
-        <p:nvSpPr>
-          <p:cNvPr id="15" name="TextBox 14">
-            <a:extLst>
-              <a:ext uri="{FF2B5EF4-FFF2-40B4-BE49-F238E27FC236}">
-                <a16:creationId xmlns:a16="http://schemas.microsoft.com/office/drawing/2014/main" id="{693B3938-D0EA-43C7-10AB-B8F16E8D11F1}"/>
-              </a:ext>
-            </a:extLst>
-          </p:cNvPr>
-          <p:cNvSpPr txBox="1"/>
-          <p:nvPr/>
-        </p:nvSpPr>
-        <p:spPr>
-          <a:xfrm>
-            <a:off x="9848850" y="5098344"/>
-            <a:ext cx="2924466" cy="646331"/>
-          </a:xfrm>
-          <a:prstGeom prst="rect">
-            <a:avLst/>
-          </a:prstGeom>
-          <a:noFill/>
-        </p:spPr>
-        <p:txBody>
-          <a:bodyPr wrap="square">
-            <a:spAutoFit/>
-          </a:bodyPr>
-          <a:lstStyle/>
-          <a:p>
-            <a:r>
-              <a:rPr lang="en-US" sz="3600" b="1" spc="-150" dirty="0">
-                <a:solidFill>
-                  <a:srgbClr val="FF0000"/>
-                </a:solidFill>
-                <a:latin typeface="Agrandir Bold"/>
-                <a:sym typeface="Agrandir Bold"/>
-              </a:rPr>
-              <a:t>Model error </a:t>
-            </a:r>
-            <a:endParaRPr lang="en-TW" sz="3600" dirty="0">
-              <a:solidFill>
-                <a:srgbClr val="FF0000"/>
-              </a:solidFill>
-            </a:endParaRPr>
-          </a:p>
-        </p:txBody>
-      </p:sp>
-    </p:spTree>
-    <p:extLst>
-      <p:ext uri="{BB962C8B-B14F-4D97-AF65-F5344CB8AC3E}">
-        <p14:creationId xmlns:p14="http://schemas.microsoft.com/office/powerpoint/2010/main" val="642847798"/>
-      </p:ext>
-    </p:extLst>
-  </p:cSld>
-  <p:clrMapOvr>
-    <a:masterClrMapping/>
-  </p:clrMapOvr>
-</p:sld>
-</file>
-
-<file path=ppt/slides/slide16.xml><?xml version="1.0" encoding="utf-8"?>
 <p:sld xmlns:a="http://schemas.openxmlformats.org/drawingml/2006/main" xmlns:r="http://schemas.openxmlformats.org/officeDocument/2006/relationships" xmlns:p="http://schemas.openxmlformats.org/presentationml/2006/main">
   <p:cSld>
     <p:spTree>
@@ -7758,7 +6943,7 @@
 </p:sld>
 </file>
 
-<file path=ppt/slides/slide17.xml><?xml version="1.0" encoding="utf-8"?>
+<file path=ppt/slides/slide16.xml><?xml version="1.0" encoding="utf-8"?>
 <p:sld xmlns:a="http://schemas.openxmlformats.org/drawingml/2006/main" xmlns:r="http://schemas.openxmlformats.org/officeDocument/2006/relationships" xmlns:p="http://schemas.openxmlformats.org/presentationml/2006/main">
   <p:cSld>
     <p:spTree>
@@ -8682,7 +7867,7 @@
         <p:spPr>
           <a:xfrm>
             <a:off x="838200" y="1441991"/>
-            <a:ext cx="10135735" cy="3840731"/>
+            <a:ext cx="8018950" cy="3840731"/>
           </a:xfrm>
           <a:prstGeom prst="rect">
             <a:avLst/>
@@ -8711,14 +7896,38 @@
               </a:rPr>
               <a:t>Solution: </a:t>
             </a:r>
+          </a:p>
+          <a:p>
+            <a:pPr marL="0" lvl="0" indent="0">
+              <a:lnSpc>
+                <a:spcPts val="9799"/>
+              </a:lnSpc>
+            </a:pPr>
             <a:r>
               <a:rPr lang="en-US" sz="9999" b="1" spc="-150" dirty="0">
                 <a:solidFill>
                   <a:srgbClr val="171717"/>
                 </a:solidFill>
                 <a:latin typeface="Agrandir Bold"/>
-              </a:rPr>
-              <a:t>Decision Tree Model </a:t>
+                <a:sym typeface="Agrandir Bold"/>
+              </a:rPr>
+              <a:t>Prediction</a:t>
+            </a:r>
+          </a:p>
+          <a:p>
+            <a:pPr marL="0" lvl="0" indent="0">
+              <a:lnSpc>
+                <a:spcPts val="9799"/>
+              </a:lnSpc>
+            </a:pPr>
+            <a:r>
+              <a:rPr lang="en-US" sz="9999" b="1" spc="-150" dirty="0">
+                <a:solidFill>
+                  <a:srgbClr val="171717"/>
+                </a:solidFill>
+                <a:latin typeface="Agrandir Bold"/>
+              </a:rPr>
+              <a:t>Model </a:t>
             </a:r>
             <a:endParaRPr lang="en-US" sz="9999" b="1" spc="-150" dirty="0">
               <a:solidFill>
@@ -10629,8 +9838,8 @@
         </p:nvSpPr>
         <p:spPr>
           <a:xfrm>
-            <a:off x="8590802" y="2915154"/>
-            <a:ext cx="8980225" cy="5245090"/>
+            <a:off x="8969090" y="2998852"/>
+            <a:ext cx="8980225" cy="6553141"/>
           </a:xfrm>
           <a:prstGeom prst="rect">
             <a:avLst/>
@@ -10798,12 +10007,109 @@
               </a:rPr>
               <a:t>Economic Index  (daily)</a:t>
             </a:r>
-            <a:br>
-              <a:rPr lang="en-US" sz="3600" dirty="0"/>
-            </a:br>
-            <a:endParaRPr lang="en-US" sz="3600" b="0" i="0" u="none" strike="noStrike" dirty="0">
+          </a:p>
+          <a:p>
+            <a:pPr marL="571500" indent="-571500">
+              <a:lnSpc>
+                <a:spcPts val="3360"/>
+              </a:lnSpc>
+              <a:spcBef>
+                <a:spcPct val="0"/>
+              </a:spcBef>
+              <a:buFont typeface="Arial" panose="020B0604020202020204" pitchFamily="34" charset="0"/>
+              <a:buChar char="•"/>
+            </a:pPr>
+            <a:endParaRPr lang="en-US" sz="3600" b="1" dirty="0">
               <a:solidFill>
                 <a:srgbClr val="000000"/>
+              </a:solidFill>
+              <a:sym typeface="Agrandir Bold"/>
+            </a:endParaRPr>
+          </a:p>
+          <a:p>
+            <a:pPr marL="571500" indent="-571500">
+              <a:lnSpc>
+                <a:spcPts val="3360"/>
+              </a:lnSpc>
+              <a:spcBef>
+                <a:spcPct val="0"/>
+              </a:spcBef>
+              <a:buFont typeface="Arial" panose="020B0604020202020204" pitchFamily="34" charset="0"/>
+              <a:buChar char="•"/>
+            </a:pPr>
+            <a:r>
+              <a:rPr lang="en-US" sz="3600" dirty="0">
+                <a:solidFill>
+                  <a:srgbClr val="000000"/>
+                </a:solidFill>
+                <a:sym typeface="Agrandir Bold"/>
+              </a:rPr>
+              <a:t>Check which </a:t>
+            </a:r>
+            <a:r>
+              <a:rPr lang="en-US" sz="3600" b="1" dirty="0">
+                <a:solidFill>
+                  <a:srgbClr val="000000"/>
+                </a:solidFill>
+                <a:sym typeface="Agrandir Bold"/>
+              </a:rPr>
+              <a:t>Economic Index  (daily) to pick up one index</a:t>
+            </a:r>
+            <a:r>
+              <a:rPr lang="en-US" sz="3600" dirty="0">
+                <a:solidFill>
+                  <a:srgbClr val="000000"/>
+                </a:solidFill>
+                <a:sym typeface="Agrandir Bold"/>
+              </a:rPr>
+              <a:t> to run </a:t>
+            </a:r>
+            <a:r>
+              <a:rPr lang="en-US" sz="3600" b="1" dirty="0" err="1"/>
+              <a:t>RandomForest</a:t>
+            </a:r>
+            <a:r>
+              <a:rPr lang="en-US" sz="3600" b="1" dirty="0">
+                <a:solidFill>
+                  <a:srgbClr val="000000"/>
+                </a:solidFill>
+                <a:sym typeface="Agrandir Bold"/>
+              </a:rPr>
+              <a:t>, </a:t>
+            </a:r>
+            <a:r>
+              <a:rPr lang="en-US" sz="3600" b="1" dirty="0" err="1"/>
+              <a:t>XGBoost</a:t>
+            </a:r>
+            <a:r>
+              <a:rPr lang="en-US" sz="3600" b="1" dirty="0">
+                <a:solidFill>
+                  <a:srgbClr val="000000"/>
+                </a:solidFill>
+                <a:sym typeface="Agrandir Bold"/>
+              </a:rPr>
+              <a:t> to pick up </a:t>
+            </a:r>
+            <a:r>
+              <a:rPr lang="en-US" sz="3600" b="1" dirty="0">
+                <a:solidFill>
+                  <a:srgbClr val="FF0000"/>
+                </a:solidFill>
+                <a:sym typeface="Agrandir Bold"/>
+              </a:rPr>
+              <a:t>best </a:t>
+            </a:r>
+            <a:r>
+              <a:rPr lang="en-US" sz="3600" b="1" dirty="0">
+                <a:solidFill>
+                  <a:srgbClr val="FF0000"/>
+                </a:solidFill>
+              </a:rPr>
+              <a:t>Model</a:t>
+            </a:r>
+            <a:endParaRPr lang="en-US" sz="3600" b="1" i="0" u="none" strike="noStrike" dirty="0">
+              <a:solidFill>
+                <a:srgbClr val="FF0000"/>
               </a:solidFill>
               <a:effectLst/>
               <a:latin typeface="-webkit-standard"/>
@@ -10836,8 +10142,8 @@
         </p:nvSpPr>
         <p:spPr>
           <a:xfrm>
-            <a:off x="367145" y="983265"/>
-            <a:ext cx="17183100" cy="1327223"/>
+            <a:off x="609600" y="199839"/>
+            <a:ext cx="8077200" cy="3686907"/>
           </a:xfrm>
           <a:prstGeom prst="rect">
             <a:avLst/>
@@ -10855,15 +10161,51 @@
               </a:lnSpc>
             </a:pPr>
             <a:r>
-              <a:rPr lang="en-US" sz="9999" b="1" spc="-150" dirty="0">
+              <a:rPr lang="en-US" sz="6000" b="1" spc="-150" dirty="0">
                 <a:solidFill>
                   <a:srgbClr val="171717"/>
                 </a:solidFill>
                 <a:latin typeface="Agrandir Bold"/>
               </a:rPr>
-              <a:t>Train a Decision Tree Model</a:t>
-            </a:r>
-            <a:endParaRPr lang="en-US" sz="9999" b="1" spc="-150" dirty="0">
+              <a:t>Train a Decision Tree/ </a:t>
+            </a:r>
+            <a:r>
+              <a:rPr lang="en-US" sz="6000" b="1" spc="-150" dirty="0" err="1">
+                <a:solidFill>
+                  <a:srgbClr val="171717"/>
+                </a:solidFill>
+                <a:latin typeface="Agrandir Bold"/>
+              </a:rPr>
+              <a:t>RandomForest</a:t>
+            </a:r>
+            <a:r>
+              <a:rPr lang="en-US" sz="6000" b="1" spc="-150" dirty="0">
+                <a:solidFill>
+                  <a:srgbClr val="171717"/>
+                </a:solidFill>
+                <a:latin typeface="Agrandir Bold"/>
+              </a:rPr>
+              <a:t>/ </a:t>
+            </a:r>
+            <a:r>
+              <a:rPr lang="en-US" sz="6000" b="1" spc="-150" dirty="0" err="1">
+                <a:solidFill>
+                  <a:srgbClr val="171717"/>
+                </a:solidFill>
+                <a:latin typeface="Agrandir Bold"/>
+              </a:rPr>
+              <a:t>XGBoost</a:t>
+            </a:r>
+            <a:r>
+              <a:rPr lang="en-US" sz="6000" b="1" spc="-150" dirty="0">
+                <a:solidFill>
+                  <a:srgbClr val="171717"/>
+                </a:solidFill>
+                <a:latin typeface="Agrandir Bold"/>
+              </a:rPr>
+              <a:t> Model</a:t>
+            </a:r>
+            <a:endParaRPr lang="en-US" sz="6000" b="1" spc="-150" dirty="0">
               <a:solidFill>
                 <a:srgbClr val="171717"/>
               </a:solidFill>
@@ -10881,8 +10223,8 @@
         </p:nvSpPr>
         <p:spPr>
           <a:xfrm>
-            <a:off x="332509" y="3695700"/>
-            <a:ext cx="7752180" cy="4844509"/>
+            <a:off x="367145" y="5676900"/>
+            <a:ext cx="7100455" cy="4311109"/>
           </a:xfrm>
           <a:custGeom>
             <a:avLst/>
@@ -10916,6 +10258,71 @@
               <a:extLst>
                 <a:ext uri="{96DAC541-7B7A-43D3-8B79-37D633B846F1}">
                   <asvg:svgBlip xmlns:asvg="http://schemas.microsoft.com/office/drawing/2016/SVG/main" r:embed="rId3"/>
+                </a:ext>
+              </a:extLst>
+            </a:blip>
+            <a:stretch>
+              <a:fillRect/>
+            </a:stretch>
+          </a:blipFill>
+        </p:spPr>
+        <p:txBody>
+          <a:bodyPr/>
+          <a:lstStyle/>
+          <a:p>
+            <a:endParaRPr lang="en-TW"/>
+          </a:p>
+        </p:txBody>
+      </p:sp>
+      <p:sp>
+        <p:nvSpPr>
+          <p:cNvPr id="2" name="Freeform 10">
+            <a:extLst>
+              <a:ext uri="{FF2B5EF4-FFF2-40B4-BE49-F238E27FC236}">
+                <a16:creationId xmlns:a16="http://schemas.microsoft.com/office/drawing/2014/main" id="{6543875F-49D4-5FD3-24EA-E4F2CF6D16AA}"/>
+              </a:ext>
+            </a:extLst>
+          </p:cNvPr>
+          <p:cNvSpPr/>
+          <p:nvPr/>
+        </p:nvSpPr>
+        <p:spPr>
+          <a:xfrm rot="4128628">
+            <a:off x="10695606" y="367658"/>
+            <a:ext cx="2655803" cy="2368391"/>
+          </a:xfrm>
+          <a:custGeom>
+            <a:avLst/>
+            <a:gdLst/>
+            <a:ahLst/>
+            <a:cxnLst/>
+            <a:rect l="l" t="t" r="r" b="b"/>
+            <a:pathLst>
+              <a:path w="2950826" h="2961595">
+                <a:moveTo>
+                  <a:pt x="0" y="0"/>
+                </a:moveTo>
+                <a:lnTo>
+                  <a:pt x="2950825" y="0"/>
+                </a:lnTo>
+                <a:lnTo>
+                  <a:pt x="2950825" y="2961595"/>
+                </a:lnTo>
+                <a:lnTo>
+                  <a:pt x="0" y="2961595"/>
+                </a:lnTo>
+                <a:lnTo>
+                  <a:pt x="0" y="0"/>
+                </a:lnTo>
+                <a:close/>
+              </a:path>
+            </a:pathLst>
+          </a:custGeom>
+          <a:blipFill>
+            <a:blip r:embed="rId4">
+              <a:extLst>
+                <a:ext uri="{96DAC541-7B7A-43D3-8B79-37D633B846F1}">
+                  <asvg:svgBlip xmlns:asvg="http://schemas.microsoft.com/office/drawing/2016/SVG/main" r:embed="rId5"/>
                 </a:ext>
               </a:extLst>
             </a:blip>
@@ -11166,10 +10573,10 @@
       </p:grpSpPr>
       <p:sp>
         <p:nvSpPr>
-          <p:cNvPr id="18" name="TextBox 8">
+          <p:cNvPr id="2" name="TextBox 8">
             <a:extLst>
               <a:ext uri="{FF2B5EF4-FFF2-40B4-BE49-F238E27FC236}">
-                <a16:creationId xmlns:a16="http://schemas.microsoft.com/office/drawing/2014/main" id="{F78D8BFF-218E-1D77-5AF7-F5CB21356745}"/>
+                <a16:creationId xmlns:a16="http://schemas.microsoft.com/office/drawing/2014/main" id="{4D57C1C4-EE9E-1A0B-BFAB-AD244FB19D7D}"/>
               </a:ext>
             </a:extLst>
           </p:cNvPr>
@@ -11178,8 +10585,8 @@
         </p:nvSpPr>
         <p:spPr>
           <a:xfrm>
-            <a:off x="561109" y="357322"/>
-            <a:ext cx="16725901" cy="1211485"/>
+            <a:off x="408709" y="342900"/>
+            <a:ext cx="17879291" cy="2476319"/>
           </a:xfrm>
           <a:prstGeom prst="rect">
             <a:avLst/>
@@ -11205,44 +10612,104 @@
               </a:rPr>
               <a:t>Accuracy: </a:t>
             </a:r>
-            <a:r>
-              <a:rPr lang="en-US" sz="7200" b="1" i="0" u="none" strike="noStrike" dirty="0">
-                <a:solidFill>
-                  <a:srgbClr val="000000"/>
-                </a:solidFill>
-                <a:effectLst/>
-              </a:rPr>
-              <a:t>S&amp;P 500 index increased</a:t>
-            </a:r>
-            <a:r>
-              <a:rPr lang="en-US" sz="7200" b="0" i="0" u="none" strike="noStrike" dirty="0">
-                <a:solidFill>
-                  <a:srgbClr val="000000"/>
-                </a:solidFill>
-                <a:effectLst/>
-                <a:latin typeface="-webkit-standard"/>
-              </a:rPr>
-              <a:t> </a:t>
-            </a:r>
-            <a:r>
+            <a:br>
               <a:rPr lang="en-US" sz="7200" b="1" spc="-150" dirty="0">
                 <a:solidFill>
                   <a:srgbClr val="171717"/>
                 </a:solidFill>
                 <a:latin typeface="Agrandir Bold"/>
-                <a:sym typeface="Agrandir Bold"/>
-              </a:rPr>
-              <a:t> </a:t>
-            </a:r>
-          </a:p>
-        </p:txBody>
-      </p:sp>
-      <p:sp>
-        <p:nvSpPr>
-          <p:cNvPr id="19" name="TextBox 9">
+              </a:rPr>
+            </a:br>
+            <a:r>
+              <a:rPr lang="en-US" sz="7200" b="1" spc="-150" dirty="0">
+                <a:solidFill>
+                  <a:srgbClr val="171717"/>
+                </a:solidFill>
+                <a:latin typeface="Agrandir Bold"/>
+              </a:rPr>
+              <a:t>Dow Jones Industrial Average increased</a:t>
+            </a:r>
+            <a:endParaRPr lang="en-US" sz="7200" b="1" spc="-150" dirty="0">
+              <a:solidFill>
+                <a:srgbClr val="171717"/>
+              </a:solidFill>
+              <a:latin typeface="Agrandir Bold"/>
+              <a:sym typeface="Agrandir Bold"/>
+            </a:endParaRPr>
+          </a:p>
+        </p:txBody>
+      </p:sp>
+      <p:sp>
+        <p:nvSpPr>
+          <p:cNvPr id="3" name="Freeform 15">
             <a:extLst>
               <a:ext uri="{FF2B5EF4-FFF2-40B4-BE49-F238E27FC236}">
-                <a16:creationId xmlns:a16="http://schemas.microsoft.com/office/drawing/2014/main" id="{81FA53BB-F0A0-F7F8-D9A1-4D9346F539DC}"/>
+                <a16:creationId xmlns:a16="http://schemas.microsoft.com/office/drawing/2014/main" id="{C9484213-A31D-D05A-08C9-2DD3FE918496}"/>
+              </a:ext>
+            </a:extLst>
+          </p:cNvPr>
+          <p:cNvSpPr/>
+          <p:nvPr/>
+        </p:nvSpPr>
+        <p:spPr>
+          <a:xfrm rot="1971934">
+            <a:off x="14154289" y="7122562"/>
+            <a:ext cx="3251301" cy="2480775"/>
+          </a:xfrm>
+          <a:custGeom>
+            <a:avLst/>
+            <a:gdLst/>
+            <a:ahLst/>
+            <a:cxnLst/>
+            <a:rect l="l" t="t" r="r" b="b"/>
+            <a:pathLst>
+              <a:path w="2950826" h="2961595">
+                <a:moveTo>
+                  <a:pt x="0" y="0"/>
+                </a:moveTo>
+                <a:lnTo>
+                  <a:pt x="2950826" y="0"/>
+                </a:lnTo>
+                <a:lnTo>
+                  <a:pt x="2950826" y="2961595"/>
+                </a:lnTo>
+                <a:lnTo>
+                  <a:pt x="0" y="2961595"/>
+                </a:lnTo>
+                <a:lnTo>
+                  <a:pt x="0" y="0"/>
+                </a:lnTo>
+                <a:close/>
+              </a:path>
+            </a:pathLst>
+          </a:custGeom>
+          <a:blipFill>
+            <a:blip r:embed="rId2">
+              <a:extLst>
+                <a:ext uri="{96DAC541-7B7A-43D3-8B79-37D633B846F1}">
+                  <asvg:svgBlip xmlns:asvg="http://schemas.microsoft.com/office/drawing/2016/SVG/main" r:embed="rId3"/>
+                </a:ext>
+              </a:extLst>
+            </a:blip>
+            <a:stretch>
+              <a:fillRect/>
+            </a:stretch>
+          </a:blipFill>
+        </p:spPr>
+        <p:txBody>
+          <a:bodyPr/>
+          <a:lstStyle/>
+          <a:p>
+            <a:endParaRPr lang="en-TW"/>
+          </a:p>
+        </p:txBody>
+      </p:sp>
+      <p:sp>
+        <p:nvSpPr>
+          <p:cNvPr id="6" name="TextBox 5">
+            <a:extLst>
+              <a:ext uri="{FF2B5EF4-FFF2-40B4-BE49-F238E27FC236}">
+                <a16:creationId xmlns:a16="http://schemas.microsoft.com/office/drawing/2014/main" id="{02FB2311-6E68-5F8F-2FB6-3E82DE390034}"/>
               </a:ext>
             </a:extLst>
           </p:cNvPr>
@@ -11251,62 +10718,26 @@
         </p:nvSpPr>
         <p:spPr>
           <a:xfrm>
-            <a:off x="914400" y="1703258"/>
-            <a:ext cx="17030701" cy="1846659"/>
+            <a:off x="408709" y="3059399"/>
+            <a:ext cx="12926292" cy="1569660"/>
           </a:xfrm>
           <a:prstGeom prst="rect">
             <a:avLst/>
           </a:prstGeom>
+          <a:noFill/>
         </p:spPr>
         <p:txBody>
-          <a:bodyPr wrap="square" lIns="0" tIns="0" rIns="0" bIns="0" rtlCol="0" anchor="t">
+          <a:bodyPr wrap="square">
             <a:spAutoFit/>
           </a:bodyPr>
           <a:lstStyle/>
           <a:p>
-            <a:pPr>
-              <a:spcBef>
-                <a:spcPct val="0"/>
-              </a:spcBef>
+            <a:pPr marL="457200" indent="-457200">
+              <a:buFont typeface="Arial" panose="020B0604020202020204" pitchFamily="34" charset="0"/>
+              <a:buChar char="•"/>
             </a:pPr>
             <a:r>
-              <a:rPr lang="en-US" sz="4000" b="0" i="0" u="none" strike="noStrike" dirty="0">
-                <a:solidFill>
-                  <a:srgbClr val="000000"/>
-                </a:solidFill>
-                <a:effectLst/>
-                <a:latin typeface="-webkit-standard"/>
-              </a:rPr>
-              <a:t>The </a:t>
-            </a:r>
-            <a:r>
-              <a:rPr lang="en-US" sz="4000" b="1" i="0" u="none" strike="noStrike" dirty="0">
-                <a:solidFill>
-                  <a:srgbClr val="000000"/>
-                </a:solidFill>
-                <a:effectLst/>
-              </a:rPr>
-              <a:t>S&amp;P 500 index increased</a:t>
-            </a:r>
-            <a:r>
-              <a:rPr lang="en-US" sz="4000" b="0" i="0" u="none" strike="noStrike" dirty="0">
-                <a:solidFill>
-                  <a:srgbClr val="000000"/>
-                </a:solidFill>
-                <a:effectLst/>
-                <a:latin typeface="-webkit-standard"/>
-              </a:rPr>
-              <a:t> compared to the previous day.)</a:t>
-            </a:r>
-          </a:p>
-          <a:p>
-            <a:pPr>
-              <a:spcBef>
-                <a:spcPct val="0"/>
-              </a:spcBef>
-            </a:pPr>
-            <a:r>
-              <a:rPr lang="en-US" sz="4000" dirty="0">
+              <a:rPr lang="en-US" sz="3200" dirty="0">
                 <a:solidFill>
                   <a:srgbClr val="000000"/>
                 </a:solidFill>
@@ -11318,7 +10749,7 @@
               <a:t>Using </a:t>
             </a:r>
             <a:r>
-              <a:rPr lang="en-US" sz="4000" b="1" dirty="0" err="1">
+              <a:rPr lang="en-US" sz="3200" b="1" dirty="0" err="1">
                 <a:solidFill>
                   <a:srgbClr val="000000"/>
                 </a:solidFill>
@@ -11330,7 +10761,7 @@
               <a:t>Layoff_Index</a:t>
             </a:r>
             <a:r>
-              <a:rPr lang="en-US" sz="4000" b="1" dirty="0">
+              <a:rPr lang="en-US" sz="3200" b="1" dirty="0">
                 <a:solidFill>
                   <a:srgbClr val="000000"/>
                 </a:solidFill>
@@ -11342,7 +10773,7 @@
               <a:t> </a:t>
             </a:r>
             <a:r>
-              <a:rPr lang="en-US" sz="4000" dirty="0">
+              <a:rPr lang="en-US" sz="3200" dirty="0">
                 <a:solidFill>
                   <a:srgbClr val="000000"/>
                 </a:solidFill>
@@ -11351,38 +10782,65 @@
                 <a:cs typeface="Agrandir"/>
                 <a:sym typeface="Agrandir"/>
               </a:rPr>
-              <a:t>to predict </a:t>
-            </a:r>
-            <a:r>
-              <a:rPr lang="en-US" sz="4000" b="1" i="0" u="none" strike="noStrike" dirty="0">
-                <a:solidFill>
-                  <a:srgbClr val="000000"/>
-                </a:solidFill>
-                <a:effectLst/>
-              </a:rPr>
-              <a:t>S&amp;P 500 index increased</a:t>
-            </a:r>
-            <a:r>
-              <a:rPr lang="en-US" sz="4000" b="0" i="0" u="none" strike="noStrike" dirty="0">
-                <a:solidFill>
-                  <a:srgbClr val="000000"/>
-                </a:solidFill>
-                <a:effectLst/>
+              <a:t>to predict</a:t>
+            </a:r>
+            <a:r>
+              <a:rPr lang="en-US" sz="3200" b="1" dirty="0">
+                <a:solidFill>
+                  <a:srgbClr val="000000"/>
+                </a:solidFill>
                 <a:latin typeface="-webkit-standard"/>
-              </a:rPr>
-              <a:t> </a:t>
-            </a:r>
-            <a:r>
-              <a:rPr lang="en-US" sz="4000" b="1" spc="-150" dirty="0">
+                <a:ea typeface="Agrandir"/>
+                <a:cs typeface="Agrandir"/>
+                <a:sym typeface="Agrandir"/>
+              </a:rPr>
+              <a:t> </a:t>
+            </a:r>
+            <a:r>
+              <a:rPr lang="en-US" sz="3200" b="1" spc="-150" dirty="0">
                 <a:solidFill>
                   <a:srgbClr val="171717"/>
                 </a:solidFill>
                 <a:latin typeface="Agrandir Bold"/>
-                <a:sym typeface="Agrandir Bold"/>
+              </a:rPr>
+              <a:t>Dow Jones Industrial Average increased (</a:t>
+            </a:r>
+            <a:r>
+              <a:rPr lang="en-US" sz="3200" i="1" dirty="0" err="1">
+                <a:solidFill>
+                  <a:srgbClr val="000000"/>
+                </a:solidFill>
+              </a:rPr>
+              <a:t>DJ</a:t>
+            </a:r>
+            <a:r>
+              <a:rPr lang="en-US" sz="3200" b="0" i="1" u="none" strike="noStrike" dirty="0" err="1">
+                <a:solidFill>
+                  <a:srgbClr val="000000"/>
+                </a:solidFill>
+                <a:effectLst/>
+              </a:rPr>
+              <a:t>_Up</a:t>
+            </a:r>
+            <a:r>
+              <a:rPr lang="en-US" sz="3200" b="0" i="1" u="none" strike="noStrike" dirty="0">
+                <a:solidFill>
+                  <a:srgbClr val="000000"/>
+                </a:solidFill>
+                <a:effectLst/>
               </a:rPr>
               <a:t> </a:t>
             </a:r>
-            <a:endParaRPr lang="en-US" sz="4000" dirty="0">
+            <a:r>
+              <a:rPr lang="en-US" sz="3200" b="1" spc="-150" dirty="0">
+                <a:solidFill>
+                  <a:srgbClr val="171717"/>
+                </a:solidFill>
+                <a:latin typeface="Agrandir Bold"/>
+              </a:rPr>
+              <a:t>)</a:t>
+            </a:r>
+            <a:endParaRPr lang="en-US" sz="3200" b="1" dirty="0">
               <a:solidFill>
                 <a:srgbClr val="000000"/>
               </a:solidFill>
@@ -11393,35 +10851,105 @@
             </a:endParaRPr>
           </a:p>
           <a:p>
-            <a:pPr marL="571500" indent="-571500">
-              <a:spcBef>
-                <a:spcPct val="0"/>
-              </a:spcBef>
+            <a:pPr marL="457200" indent="-457200">
               <a:buFont typeface="Arial" panose="020B0604020202020204" pitchFamily="34" charset="0"/>
               <a:buChar char="•"/>
             </a:pPr>
             <a:r>
-              <a:rPr lang="en-US" sz="4000" dirty="0"/>
-              <a:t>Accuracy for SP5_Up: 0.8762, </a:t>
-            </a:r>
-            <a:r>
-              <a:rPr lang="en-US" sz="4000" b="1" i="0" u="none" strike="noStrike" dirty="0">
-                <a:solidFill>
-                  <a:srgbClr val="000000"/>
-                </a:solidFill>
-                <a:effectLst/>
-              </a:rPr>
-              <a:t>87.6% accuracy</a:t>
-            </a:r>
+              <a:rPr lang="en-US" sz="3200" b="0" i="1" u="none" strike="noStrike" dirty="0">
+                <a:solidFill>
+                  <a:srgbClr val="000000"/>
+                </a:solidFill>
+                <a:effectLst/>
+              </a:rPr>
+              <a:t>Accuracy for </a:t>
+            </a:r>
+            <a:r>
+              <a:rPr lang="en-US" sz="3200" i="1" dirty="0" err="1">
+                <a:solidFill>
+                  <a:srgbClr val="000000"/>
+                </a:solidFill>
+              </a:rPr>
+              <a:t>DJ</a:t>
+            </a:r>
+            <a:r>
+              <a:rPr lang="en-US" sz="3200" b="0" i="1" u="none" strike="noStrike" dirty="0" err="1">
+                <a:solidFill>
+                  <a:srgbClr val="000000"/>
+                </a:solidFill>
+                <a:effectLst/>
+              </a:rPr>
+              <a:t>_Up</a:t>
+            </a:r>
+            <a:r>
+              <a:rPr lang="en-US" sz="3200" b="0" i="1" u="none" strike="noStrike" dirty="0">
+                <a:solidFill>
+                  <a:srgbClr val="000000"/>
+                </a:solidFill>
+                <a:effectLst/>
+              </a:rPr>
+              <a:t> (</a:t>
+            </a:r>
+            <a:r>
+              <a:rPr lang="en-US" sz="3200" b="1" spc="-150" dirty="0">
+                <a:solidFill>
+                  <a:srgbClr val="171717"/>
+                </a:solidFill>
+                <a:latin typeface="Agrandir Bold"/>
+              </a:rPr>
+              <a:t>VIX index increased </a:t>
+            </a:r>
+            <a:r>
+              <a:rPr lang="en-US" sz="3200" b="1" spc="-150" dirty="0">
+                <a:solidFill>
+                  <a:srgbClr val="171717"/>
+                </a:solidFill>
+                <a:latin typeface="Agrandir Bold"/>
+                <a:sym typeface="Agrandir Bold"/>
+              </a:rPr>
+              <a:t> </a:t>
+            </a:r>
+            <a:r>
+              <a:rPr lang="en-US" sz="3200" b="0" i="1" u="none" strike="noStrike" dirty="0">
+                <a:solidFill>
+                  <a:srgbClr val="000000"/>
+                </a:solidFill>
+                <a:effectLst/>
+              </a:rPr>
+              <a:t>):</a:t>
+            </a:r>
+            <a:r>
+              <a:rPr lang="en-TW" sz="3200" dirty="0"/>
+              <a:t> 0.8698</a:t>
+            </a:r>
+            <a:r>
+              <a:rPr lang="en-US" sz="3200" b="0" i="1" u="none" strike="noStrike" dirty="0">
+                <a:solidFill>
+                  <a:srgbClr val="000000"/>
+                </a:solidFill>
+                <a:effectLst/>
+              </a:rPr>
+              <a:t>, </a:t>
+            </a:r>
+            <a:r>
+              <a:rPr lang="en-US" sz="3200" b="1" i="0" u="none" strike="noStrike" dirty="0">
+                <a:solidFill>
+                  <a:srgbClr val="000000"/>
+                </a:solidFill>
+                <a:effectLst/>
+              </a:rPr>
+              <a:t>86.98% accuracy</a:t>
+            </a:r>
+            <a:endParaRPr lang="en-TW" sz="3200" dirty="0"/>
           </a:p>
         </p:txBody>
       </p:sp>
       <p:pic>
         <p:nvPicPr>
-          <p:cNvPr id="22" name="Picture 21" descr="A graph with blue lines and orange dots&#10;&#10;Description automatically generated">
+          <p:cNvPr id="8" name="Picture 7" descr="A graph with blue lines and dots&#10;&#10;Description automatically generated">
             <a:extLst>
               <a:ext uri="{FF2B5EF4-FFF2-40B4-BE49-F238E27FC236}">
-                <a16:creationId xmlns:a16="http://schemas.microsoft.com/office/drawing/2014/main" id="{66706A02-1329-841B-D0C6-FE31DB88D446}"/>
+                <a16:creationId xmlns:a16="http://schemas.microsoft.com/office/drawing/2014/main" id="{BBEA33B3-C648-B17B-44A1-F3F3C309C94B}"/>
               </a:ext>
             </a:extLst>
           </p:cNvPr>
@@ -11431,7 +10959,7 @@
           <p:nvPr/>
         </p:nvPicPr>
         <p:blipFill>
-          <a:blip r:embed="rId2">
+          <a:blip r:embed="rId4">
             <a:extLst>
               <a:ext uri="{28A0092B-C50C-407E-A947-70E740481C1C}">
                 <a14:useLocalDpi xmlns:a14="http://schemas.microsoft.com/office/drawing/2010/main" val="0"/>
@@ -11444,8 +10972,8 @@
         </p:blipFill>
         <p:spPr>
           <a:xfrm>
-            <a:off x="0" y="4793231"/>
-            <a:ext cx="11330426" cy="5303269"/>
+            <a:off x="990600" y="4782647"/>
+            <a:ext cx="10591800" cy="4957550"/>
           </a:xfrm>
           <a:prstGeom prst="rect">
             <a:avLst/>
@@ -11454,10 +10982,10 @@
       </p:pic>
       <p:sp>
         <p:nvSpPr>
-          <p:cNvPr id="23" name="Oval 22">
+          <p:cNvPr id="9" name="Oval 8">
             <a:extLst>
               <a:ext uri="{FF2B5EF4-FFF2-40B4-BE49-F238E27FC236}">
-                <a16:creationId xmlns:a16="http://schemas.microsoft.com/office/drawing/2014/main" id="{4A7CED1D-4D5D-F4B5-FAAA-8553E313A6FF}"/>
+                <a16:creationId xmlns:a16="http://schemas.microsoft.com/office/drawing/2014/main" id="{8B4666F2-6C54-31B4-AE24-4C70C5CA2B50}"/>
               </a:ext>
             </a:extLst>
           </p:cNvPr>
@@ -11466,107 +10994,7 @@
         </p:nvSpPr>
         <p:spPr>
           <a:xfrm>
-            <a:off x="3581400" y="5143500"/>
-            <a:ext cx="2362200" cy="4563817"/>
-          </a:xfrm>
-          <a:prstGeom prst="ellipse">
-            <a:avLst/>
-          </a:prstGeom>
-          <a:noFill/>
-          <a:ln w="28575">
-            <a:solidFill>
-              <a:srgbClr val="FF0000"/>
-            </a:solidFill>
-          </a:ln>
-        </p:spPr>
-        <p:style>
-          <a:lnRef idx="2">
-            <a:schemeClr val="accent6"/>
-          </a:lnRef>
-          <a:fillRef idx="1">
-            <a:schemeClr val="lt1"/>
-          </a:fillRef>
-          <a:effectRef idx="0">
-            <a:schemeClr val="accent6"/>
-          </a:effectRef>
-          <a:fontRef idx="minor">
-            <a:schemeClr val="dk1"/>
-          </a:fontRef>
-        </p:style>
-        <p:txBody>
-          <a:bodyPr rtlCol="0" anchor="ctr"/>
-          <a:lstStyle/>
-          <a:p>
-            <a:pPr algn="ctr"/>
-            <a:endParaRPr lang="en-TW"/>
-          </a:p>
-        </p:txBody>
-      </p:sp>
-      <p:sp>
-        <p:nvSpPr>
-          <p:cNvPr id="24" name="Oval 23">
-            <a:extLst>
-              <a:ext uri="{FF2B5EF4-FFF2-40B4-BE49-F238E27FC236}">
-                <a16:creationId xmlns:a16="http://schemas.microsoft.com/office/drawing/2014/main" id="{B0428BFE-B07B-348A-8AEC-01A4B36D41BD}"/>
-              </a:ext>
-            </a:extLst>
-          </p:cNvPr>
-          <p:cNvSpPr/>
-          <p:nvPr/>
-        </p:nvSpPr>
-        <p:spPr>
-          <a:xfrm>
-            <a:off x="7696199" y="5223164"/>
-            <a:ext cx="1676402" cy="4563817"/>
-          </a:xfrm>
-          <a:prstGeom prst="ellipse">
-            <a:avLst/>
-          </a:prstGeom>
-          <a:noFill/>
-          <a:ln w="28575">
-            <a:solidFill>
-              <a:srgbClr val="FF0000"/>
-            </a:solidFill>
-          </a:ln>
-        </p:spPr>
-        <p:style>
-          <a:lnRef idx="2">
-            <a:schemeClr val="accent6"/>
-          </a:lnRef>
-          <a:fillRef idx="1">
-            <a:schemeClr val="lt1"/>
-          </a:fillRef>
-          <a:effectRef idx="0">
-            <a:schemeClr val="accent6"/>
-          </a:effectRef>
-          <a:fontRef idx="minor">
-            <a:schemeClr val="dk1"/>
-          </a:fontRef>
-        </p:style>
-        <p:txBody>
-          <a:bodyPr rtlCol="0" anchor="ctr"/>
-          <a:lstStyle/>
-          <a:p>
-            <a:pPr algn="ctr"/>
-            <a:endParaRPr lang="en-TW"/>
-          </a:p>
-        </p:txBody>
-      </p:sp>
-      <p:sp>
-        <p:nvSpPr>
-          <p:cNvPr id="25" name="Oval 24">
-            <a:extLst>
-              <a:ext uri="{FF2B5EF4-FFF2-40B4-BE49-F238E27FC236}">
-                <a16:creationId xmlns:a16="http://schemas.microsoft.com/office/drawing/2014/main" id="{B6EAAEF1-1B65-ACB9-432D-897D805D1438}"/>
-              </a:ext>
-            </a:extLst>
-          </p:cNvPr>
-          <p:cNvSpPr/>
-          <p:nvPr/>
-        </p:nvSpPr>
-        <p:spPr>
-          <a:xfrm>
-            <a:off x="9525000" y="5143501"/>
+            <a:off x="4814455" y="4782647"/>
             <a:ext cx="2057400" cy="4651664"/>
           </a:xfrm>
           <a:prstGeom prst="ellipse">
@@ -11604,10 +11032,10 @@
       </p:sp>
       <p:sp>
         <p:nvSpPr>
-          <p:cNvPr id="26" name="Rectangle 25">
+          <p:cNvPr id="10" name="Oval 9">
             <a:extLst>
               <a:ext uri="{FF2B5EF4-FFF2-40B4-BE49-F238E27FC236}">
-                <a16:creationId xmlns:a16="http://schemas.microsoft.com/office/drawing/2014/main" id="{1D1F1829-86B5-FFEE-B553-F1F998CBCDFF}"/>
+                <a16:creationId xmlns:a16="http://schemas.microsoft.com/office/drawing/2014/main" id="{C9496A13-65AC-A0BA-4687-3CB6B34DE18D}"/>
               </a:ext>
             </a:extLst>
           </p:cNvPr>
@@ -11616,8 +11044,58 @@
         </p:nvSpPr>
         <p:spPr>
           <a:xfrm>
-            <a:off x="8965623" y="3669243"/>
-            <a:ext cx="7419108" cy="866082"/>
+            <a:off x="8115300" y="4838066"/>
+            <a:ext cx="2057400" cy="4651664"/>
+          </a:xfrm>
+          <a:prstGeom prst="ellipse">
+            <a:avLst/>
+          </a:prstGeom>
+          <a:noFill/>
+          <a:ln w="28575">
+            <a:solidFill>
+              <a:srgbClr val="FF0000"/>
+            </a:solidFill>
+          </a:ln>
+        </p:spPr>
+        <p:style>
+          <a:lnRef idx="2">
+            <a:schemeClr val="accent6"/>
+          </a:lnRef>
+          <a:fillRef idx="1">
+            <a:schemeClr val="lt1"/>
+          </a:fillRef>
+          <a:effectRef idx="0">
+            <a:schemeClr val="accent6"/>
+          </a:effectRef>
+          <a:fontRef idx="minor">
+            <a:schemeClr val="dk1"/>
+          </a:fontRef>
+        </p:style>
+        <p:txBody>
+          <a:bodyPr rtlCol="0" anchor="ctr"/>
+          <a:lstStyle/>
+          <a:p>
+            <a:pPr algn="ctr"/>
+            <a:endParaRPr lang="en-TW"/>
+          </a:p>
+        </p:txBody>
+      </p:sp>
+      <p:sp>
+        <p:nvSpPr>
+          <p:cNvPr id="4" name="Rectangle 3">
+            <a:extLst>
+              <a:ext uri="{FF2B5EF4-FFF2-40B4-BE49-F238E27FC236}">
+                <a16:creationId xmlns:a16="http://schemas.microsoft.com/office/drawing/2014/main" id="{3658638E-7CB9-5BD2-8EEF-DC146A4E0200}"/>
+              </a:ext>
+            </a:extLst>
+          </p:cNvPr>
+          <p:cNvSpPr/>
+          <p:nvPr/>
+        </p:nvSpPr>
+        <p:spPr>
+          <a:xfrm>
+            <a:off x="11582400" y="5372100"/>
+            <a:ext cx="6081795" cy="1219565"/>
           </a:xfrm>
           <a:prstGeom prst="rect">
             <a:avLst/>
@@ -11649,7 +11127,7 @@
                 </a:solidFill>
                 <a:effectLst/>
               </a:rPr>
-              <a:t>False Positives (FP)</a:t>
+              <a:t>False Negatives (FN)</a:t>
             </a:r>
             <a:r>
               <a:rPr lang="en-US" sz="2800" b="0" i="0" u="none" strike="noStrike" dirty="0">
@@ -11657,15 +11135,22 @@
                   <a:srgbClr val="000000"/>
                 </a:solidFill>
                 <a:effectLst/>
-                <a:latin typeface="-webkit-standard"/>
-              </a:rPr>
-              <a:t> = predicted Up, actual Down</a:t>
-            </a:r>
+              </a:rPr>
+              <a:t> = predicted Down, actual Up</a:t>
+            </a:r>
+          </a:p>
+          <a:p>
+            <a:pPr algn="ctr"/>
             <a:endParaRPr lang="en-TW" sz="2800" dirty="0"/>
           </a:p>
         </p:txBody>
       </p:sp>
     </p:spTree>
+    <p:extLst>
+      <p:ext uri="{BB962C8B-B14F-4D97-AF65-F5344CB8AC3E}">
+        <p14:creationId xmlns:p14="http://schemas.microsoft.com/office/powerpoint/2010/main" val="874406501"/>
+      </p:ext>
+    </p:extLst>
   </p:cSld>
   <p:clrMapOvr>
     <a:masterClrMapping/>
